--- a/Ideas/Ideas.pptx
+++ b/Ideas/Ideas.pptx
@@ -9,6 +9,9 @@
     <p:sldId id="257" r:id="rId3"/>
     <p:sldId id="258" r:id="rId4"/>
     <p:sldId id="259" r:id="rId5"/>
+    <p:sldId id="260" r:id="rId6"/>
+    <p:sldId id="261" r:id="rId7"/>
+    <p:sldId id="262" r:id="rId8"/>
   </p:sldIdLst>
   <p:sldSz cx="12192000" cy="6858000"/>
   <p:notesSz cx="6858000" cy="9144000"/>
@@ -107,13 +110,18 @@
       </a:defRPr>
     </a:lvl9pPr>
   </p:defaultTextStyle>
+  <p:extLst>
+    <p:ext uri="{EFAFB233-063F-42B5-8137-9DF3F51BA10A}">
+      <p15:sldGuideLst xmlns:p15="http://schemas.microsoft.com/office/powerpoint/2012/main"/>
+    </p:ext>
+  </p:extLst>
 </p:presentation>
 </file>
 
 <file path=ppt/revisionInfo.xml><?xml version="1.0" encoding="utf-8"?>
 <p1510:revInfo xmlns:a="http://schemas.openxmlformats.org/drawingml/2006/main" xmlns:r="http://schemas.openxmlformats.org/officeDocument/2006/relationships" xmlns:p1510="http://schemas.microsoft.com/office/powerpoint/2015/10/main">
   <p1510:revLst>
-    <p1510:client id="{C7E91490-3ACA-4AA2-AEF6-39DABE46D204}" v="7" dt="2023-09-30T08:23:31.352"/>
+    <p1510:client id="{C7E91490-3ACA-4AA2-AEF6-39DABE46D204}" v="8" dt="2023-10-04T14:55:09.371"/>
   </p1510:revLst>
 </p1510:revInfo>
 </file>
@@ -122,8 +130,8 @@
 <pc:chgInfo xmlns:a="http://schemas.openxmlformats.org/drawingml/2006/main" xmlns:r="http://schemas.openxmlformats.org/officeDocument/2006/relationships" xmlns:ac="http://schemas.microsoft.com/office/drawing/2013/main/command" xmlns:pc="http://schemas.microsoft.com/office/powerpoint/2013/main/command">
   <pc:docChgLst>
     <pc:chgData name="Tristan Calilung" userId="65f9f902-f727-4df4-a8ca-40b86db01ce6" providerId="ADAL" clId="{C7E91490-3ACA-4AA2-AEF6-39DABE46D204}"/>
-    <pc:docChg chg="undo custSel modSld">
-      <pc:chgData name="Tristan Calilung" userId="65f9f902-f727-4df4-a8ca-40b86db01ce6" providerId="ADAL" clId="{C7E91490-3ACA-4AA2-AEF6-39DABE46D204}" dt="2023-09-30T08:27:01.991" v="453" actId="20577"/>
+    <pc:docChg chg="undo custSel addSld modSld">
+      <pc:chgData name="Tristan Calilung" userId="65f9f902-f727-4df4-a8ca-40b86db01ce6" providerId="ADAL" clId="{C7E91490-3ACA-4AA2-AEF6-39DABE46D204}" dt="2023-10-12T08:07:32.170" v="678" actId="680"/>
       <pc:docMkLst>
         <pc:docMk/>
       </pc:docMkLst>
@@ -221,6 +229,98 @@
           </ac:spMkLst>
         </pc:spChg>
       </pc:sldChg>
+      <pc:sldChg chg="addSp delSp modSp mod modClrScheme chgLayout">
+        <pc:chgData name="Tristan Calilung" userId="65f9f902-f727-4df4-a8ca-40b86db01ce6" providerId="ADAL" clId="{C7E91490-3ACA-4AA2-AEF6-39DABE46D204}" dt="2023-10-04T14:55:34.790" v="522" actId="20577"/>
+        <pc:sldMkLst>
+          <pc:docMk/>
+          <pc:sldMk cId="2011203024" sldId="259"/>
+        </pc:sldMkLst>
+        <pc:spChg chg="add mod ord">
+          <ac:chgData name="Tristan Calilung" userId="65f9f902-f727-4df4-a8ca-40b86db01ce6" providerId="ADAL" clId="{C7E91490-3ACA-4AA2-AEF6-39DABE46D204}" dt="2023-10-04T14:55:34.790" v="522" actId="20577"/>
+          <ac:spMkLst>
+            <pc:docMk/>
+            <pc:sldMk cId="2011203024" sldId="259"/>
+            <ac:spMk id="4" creationId="{7DE962AD-EAC9-CD97-81DF-18686B062802}"/>
+          </ac:spMkLst>
+        </pc:spChg>
+        <pc:spChg chg="add del mod ord">
+          <ac:chgData name="Tristan Calilung" userId="65f9f902-f727-4df4-a8ca-40b86db01ce6" providerId="ADAL" clId="{C7E91490-3ACA-4AA2-AEF6-39DABE46D204}" dt="2023-10-04T14:55:09.371" v="458"/>
+          <ac:spMkLst>
+            <pc:docMk/>
+            <pc:sldMk cId="2011203024" sldId="259"/>
+            <ac:spMk id="5" creationId="{C98AE367-5A1A-BAC1-86EF-7AEE972C5BC9}"/>
+          </ac:spMkLst>
+        </pc:spChg>
+        <pc:picChg chg="add del mod">
+          <ac:chgData name="Tristan Calilung" userId="65f9f902-f727-4df4-a8ca-40b86db01ce6" providerId="ADAL" clId="{C7E91490-3ACA-4AA2-AEF6-39DABE46D204}" dt="2023-10-04T14:55:08.244" v="457" actId="21"/>
+          <ac:picMkLst>
+            <pc:docMk/>
+            <pc:sldMk cId="2011203024" sldId="259"/>
+            <ac:picMk id="3" creationId="{9A3A5C65-46F3-6E45-C625-042A7FF429AF}"/>
+          </ac:picMkLst>
+        </pc:picChg>
+        <pc:picChg chg="add mod">
+          <ac:chgData name="Tristan Calilung" userId="65f9f902-f727-4df4-a8ca-40b86db01ce6" providerId="ADAL" clId="{C7E91490-3ACA-4AA2-AEF6-39DABE46D204}" dt="2023-10-04T14:55:12.607" v="460" actId="1076"/>
+          <ac:picMkLst>
+            <pc:docMk/>
+            <pc:sldMk cId="2011203024" sldId="259"/>
+            <ac:picMk id="6" creationId="{D4D0E6F3-A7B1-36DE-56E7-29427B7531D0}"/>
+          </ac:picMkLst>
+        </pc:picChg>
+      </pc:sldChg>
+      <pc:sldChg chg="modSp new mod">
+        <pc:chgData name="Tristan Calilung" userId="65f9f902-f727-4df4-a8ca-40b86db01ce6" providerId="ADAL" clId="{C7E91490-3ACA-4AA2-AEF6-39DABE46D204}" dt="2023-10-04T14:56:43.016" v="530" actId="27636"/>
+        <pc:sldMkLst>
+          <pc:docMk/>
+          <pc:sldMk cId="1395565298" sldId="260"/>
+        </pc:sldMkLst>
+        <pc:spChg chg="mod">
+          <ac:chgData name="Tristan Calilung" userId="65f9f902-f727-4df4-a8ca-40b86db01ce6" providerId="ADAL" clId="{C7E91490-3ACA-4AA2-AEF6-39DABE46D204}" dt="2023-10-04T14:55:50.989" v="524"/>
+          <ac:spMkLst>
+            <pc:docMk/>
+            <pc:sldMk cId="1395565298" sldId="260"/>
+            <ac:spMk id="2" creationId="{3C6FFF2F-F946-FFFD-E49B-BD3DB397F4F1}"/>
+          </ac:spMkLst>
+        </pc:spChg>
+        <pc:spChg chg="mod">
+          <ac:chgData name="Tristan Calilung" userId="65f9f902-f727-4df4-a8ca-40b86db01ce6" providerId="ADAL" clId="{C7E91490-3ACA-4AA2-AEF6-39DABE46D204}" dt="2023-10-04T14:56:43.016" v="530" actId="27636"/>
+          <ac:spMkLst>
+            <pc:docMk/>
+            <pc:sldMk cId="1395565298" sldId="260"/>
+            <ac:spMk id="3" creationId="{C90ED5C8-3F22-F73D-849E-55BF8CA414A8}"/>
+          </ac:spMkLst>
+        </pc:spChg>
+      </pc:sldChg>
+      <pc:sldChg chg="modSp new mod">
+        <pc:chgData name="Tristan Calilung" userId="65f9f902-f727-4df4-a8ca-40b86db01ce6" providerId="ADAL" clId="{C7E91490-3ACA-4AA2-AEF6-39DABE46D204}" dt="2023-10-07T04:23:28.505" v="677" actId="20577"/>
+        <pc:sldMkLst>
+          <pc:docMk/>
+          <pc:sldMk cId="141914085" sldId="261"/>
+        </pc:sldMkLst>
+        <pc:spChg chg="mod">
+          <ac:chgData name="Tristan Calilung" userId="65f9f902-f727-4df4-a8ca-40b86db01ce6" providerId="ADAL" clId="{C7E91490-3ACA-4AA2-AEF6-39DABE46D204}" dt="2023-10-07T04:22:31.127" v="654" actId="20577"/>
+          <ac:spMkLst>
+            <pc:docMk/>
+            <pc:sldMk cId="141914085" sldId="261"/>
+            <ac:spMk id="2" creationId="{459E61BB-7C61-3415-22C2-8891A858E19D}"/>
+          </ac:spMkLst>
+        </pc:spChg>
+        <pc:spChg chg="mod">
+          <ac:chgData name="Tristan Calilung" userId="65f9f902-f727-4df4-a8ca-40b86db01ce6" providerId="ADAL" clId="{C7E91490-3ACA-4AA2-AEF6-39DABE46D204}" dt="2023-10-07T04:23:28.505" v="677" actId="20577"/>
+          <ac:spMkLst>
+            <pc:docMk/>
+            <pc:sldMk cId="141914085" sldId="261"/>
+            <ac:spMk id="3" creationId="{5063A942-8CA3-A88C-5645-70FF9D54F0B1}"/>
+          </ac:spMkLst>
+        </pc:spChg>
+      </pc:sldChg>
+      <pc:sldChg chg="new">
+        <pc:chgData name="Tristan Calilung" userId="65f9f902-f727-4df4-a8ca-40b86db01ce6" providerId="ADAL" clId="{C7E91490-3ACA-4AA2-AEF6-39DABE46D204}" dt="2023-10-12T08:07:32.170" v="678" actId="680"/>
+        <pc:sldMkLst>
+          <pc:docMk/>
+          <pc:sldMk cId="2088526987" sldId="262"/>
+        </pc:sldMkLst>
+      </pc:sldChg>
     </pc:docChg>
   </pc:docChgLst>
 </pc:chgInfo>
@@ -375,7 +475,7 @@
           <a:p>
             <a:fld id="{3CE97EEF-7EAE-4E17-B2FC-7BA7B8DBFF43}" type="datetimeFigureOut">
               <a:rPr lang="en-AU" smtClean="0"/>
-              <a:t>29/09/2023</a:t>
+              <a:t>12/10/2023</a:t>
             </a:fld>
             <a:endParaRPr lang="en-AU"/>
           </a:p>
@@ -575,7 +675,7 @@
           <a:p>
             <a:fld id="{3CE97EEF-7EAE-4E17-B2FC-7BA7B8DBFF43}" type="datetimeFigureOut">
               <a:rPr lang="en-AU" smtClean="0"/>
-              <a:t>29/09/2023</a:t>
+              <a:t>12/10/2023</a:t>
             </a:fld>
             <a:endParaRPr lang="en-AU"/>
           </a:p>
@@ -785,7 +885,7 @@
           <a:p>
             <a:fld id="{3CE97EEF-7EAE-4E17-B2FC-7BA7B8DBFF43}" type="datetimeFigureOut">
               <a:rPr lang="en-AU" smtClean="0"/>
-              <a:t>29/09/2023</a:t>
+              <a:t>12/10/2023</a:t>
             </a:fld>
             <a:endParaRPr lang="en-AU"/>
           </a:p>
@@ -985,7 +1085,7 @@
           <a:p>
             <a:fld id="{3CE97EEF-7EAE-4E17-B2FC-7BA7B8DBFF43}" type="datetimeFigureOut">
               <a:rPr lang="en-AU" smtClean="0"/>
-              <a:t>29/09/2023</a:t>
+              <a:t>12/10/2023</a:t>
             </a:fld>
             <a:endParaRPr lang="en-AU"/>
           </a:p>
@@ -1261,7 +1361,7 @@
           <a:p>
             <a:fld id="{3CE97EEF-7EAE-4E17-B2FC-7BA7B8DBFF43}" type="datetimeFigureOut">
               <a:rPr lang="en-AU" smtClean="0"/>
-              <a:t>29/09/2023</a:t>
+              <a:t>12/10/2023</a:t>
             </a:fld>
             <a:endParaRPr lang="en-AU"/>
           </a:p>
@@ -1529,7 +1629,7 @@
           <a:p>
             <a:fld id="{3CE97EEF-7EAE-4E17-B2FC-7BA7B8DBFF43}" type="datetimeFigureOut">
               <a:rPr lang="en-AU" smtClean="0"/>
-              <a:t>29/09/2023</a:t>
+              <a:t>12/10/2023</a:t>
             </a:fld>
             <a:endParaRPr lang="en-AU"/>
           </a:p>
@@ -1944,7 +2044,7 @@
           <a:p>
             <a:fld id="{3CE97EEF-7EAE-4E17-B2FC-7BA7B8DBFF43}" type="datetimeFigureOut">
               <a:rPr lang="en-AU" smtClean="0"/>
-              <a:t>29/09/2023</a:t>
+              <a:t>12/10/2023</a:t>
             </a:fld>
             <a:endParaRPr lang="en-AU"/>
           </a:p>
@@ -2086,7 +2186,7 @@
           <a:p>
             <a:fld id="{3CE97EEF-7EAE-4E17-B2FC-7BA7B8DBFF43}" type="datetimeFigureOut">
               <a:rPr lang="en-AU" smtClean="0"/>
-              <a:t>29/09/2023</a:t>
+              <a:t>12/10/2023</a:t>
             </a:fld>
             <a:endParaRPr lang="en-AU"/>
           </a:p>
@@ -2199,7 +2299,7 @@
           <a:p>
             <a:fld id="{3CE97EEF-7EAE-4E17-B2FC-7BA7B8DBFF43}" type="datetimeFigureOut">
               <a:rPr lang="en-AU" smtClean="0"/>
-              <a:t>29/09/2023</a:t>
+              <a:t>12/10/2023</a:t>
             </a:fld>
             <a:endParaRPr lang="en-AU"/>
           </a:p>
@@ -2512,7 +2612,7 @@
           <a:p>
             <a:fld id="{3CE97EEF-7EAE-4E17-B2FC-7BA7B8DBFF43}" type="datetimeFigureOut">
               <a:rPr lang="en-AU" smtClean="0"/>
-              <a:t>29/09/2023</a:t>
+              <a:t>12/10/2023</a:t>
             </a:fld>
             <a:endParaRPr lang="en-AU"/>
           </a:p>
@@ -2801,7 +2901,7 @@
           <a:p>
             <a:fld id="{3CE97EEF-7EAE-4E17-B2FC-7BA7B8DBFF43}" type="datetimeFigureOut">
               <a:rPr lang="en-AU" smtClean="0"/>
-              <a:t>29/09/2023</a:t>
+              <a:t>12/10/2023</a:t>
             </a:fld>
             <a:endParaRPr lang="en-AU"/>
           </a:p>
@@ -3044,7 +3144,7 @@
           <a:p>
             <a:fld id="{3CE97EEF-7EAE-4E17-B2FC-7BA7B8DBFF43}" type="datetimeFigureOut">
               <a:rPr lang="en-AU" smtClean="0"/>
-              <a:t>29/09/2023</a:t>
+              <a:t>12/10/2023</a:t>
             </a:fld>
             <a:endParaRPr lang="en-AU"/>
           </a:p>
@@ -4476,10 +4576,2451 @@
           <a:chExt cx="0" cy="0"/>
         </a:xfrm>
       </p:grpSpPr>
+      <p:sp>
+        <p:nvSpPr>
+          <p:cNvPr id="4" name="Title 3">
+            <a:extLst>
+              <a:ext uri="{FF2B5EF4-FFF2-40B4-BE49-F238E27FC236}">
+                <a16:creationId xmlns:a16="http://schemas.microsoft.com/office/drawing/2014/main" id="{7DE962AD-EAC9-CD97-81DF-18686B062802}"/>
+              </a:ext>
+            </a:extLst>
+          </p:cNvPr>
+          <p:cNvSpPr>
+            <a:spLocks noGrp="1"/>
+          </p:cNvSpPr>
+          <p:nvPr>
+            <p:ph type="title"/>
+          </p:nvPr>
+        </p:nvSpPr>
+        <p:spPr/>
+        <p:txBody>
+          <a:bodyPr/>
+          <a:lstStyle/>
+          <a:p>
+            <a:r>
+              <a:rPr lang="en-US" dirty="0"/>
+              <a:t>Actuator Led with Buzzer</a:t>
+            </a:r>
+            <a:endParaRPr lang="en-AU" dirty="0"/>
+          </a:p>
+        </p:txBody>
+      </p:sp>
+      <p:pic>
+        <p:nvPicPr>
+          <p:cNvPr id="6" name="Content Placeholder 5">
+            <a:extLst>
+              <a:ext uri="{FF2B5EF4-FFF2-40B4-BE49-F238E27FC236}">
+                <a16:creationId xmlns:a16="http://schemas.microsoft.com/office/drawing/2014/main" id="{D4D0E6F3-A7B1-36DE-56E7-29427B7531D0}"/>
+              </a:ext>
+            </a:extLst>
+          </p:cNvPr>
+          <p:cNvPicPr>
+            <a:picLocks noGrp="1" noChangeAspect="1"/>
+          </p:cNvPicPr>
+          <p:nvPr>
+            <p:ph idx="1"/>
+          </p:nvPr>
+        </p:nvPicPr>
+        <p:blipFill>
+          <a:blip r:embed="rId2"/>
+          <a:stretch>
+            <a:fillRect/>
+          </a:stretch>
+        </p:blipFill>
+        <p:spPr>
+          <a:xfrm>
+            <a:off x="838200" y="2170358"/>
+            <a:ext cx="10515600" cy="3747014"/>
+          </a:xfrm>
+          <a:prstGeom prst="rect">
+            <a:avLst/>
+          </a:prstGeom>
+        </p:spPr>
+      </p:pic>
     </p:spTree>
     <p:extLst>
       <p:ext uri="{BB962C8B-B14F-4D97-AF65-F5344CB8AC3E}">
         <p14:creationId xmlns:p14="http://schemas.microsoft.com/office/powerpoint/2010/main" val="2011203024"/>
+      </p:ext>
+    </p:extLst>
+  </p:cSld>
+  <p:clrMapOvr>
+    <a:masterClrMapping/>
+  </p:clrMapOvr>
+</p:sld>
+</file>
+
+<file path=ppt/slides/slide5.xml><?xml version="1.0" encoding="utf-8"?>
+<p:sld xmlns:a="http://schemas.openxmlformats.org/drawingml/2006/main" xmlns:r="http://schemas.openxmlformats.org/officeDocument/2006/relationships" xmlns:p="http://schemas.openxmlformats.org/presentationml/2006/main">
+  <p:cSld>
+    <p:spTree>
+      <p:nvGrpSpPr>
+        <p:cNvPr id="1" name=""/>
+        <p:cNvGrpSpPr/>
+        <p:nvPr/>
+      </p:nvGrpSpPr>
+      <p:grpSpPr>
+        <a:xfrm>
+          <a:off x="0" y="0"/>
+          <a:ext cx="0" cy="0"/>
+          <a:chOff x="0" y="0"/>
+          <a:chExt cx="0" cy="0"/>
+        </a:xfrm>
+      </p:grpSpPr>
+      <p:sp>
+        <p:nvSpPr>
+          <p:cNvPr id="2" name="Title 1">
+            <a:extLst>
+              <a:ext uri="{FF2B5EF4-FFF2-40B4-BE49-F238E27FC236}">
+                <a16:creationId xmlns:a16="http://schemas.microsoft.com/office/drawing/2014/main" id="{3C6FFF2F-F946-FFFD-E49B-BD3DB397F4F1}"/>
+              </a:ext>
+            </a:extLst>
+          </p:cNvPr>
+          <p:cNvSpPr>
+            <a:spLocks noGrp="1"/>
+          </p:cNvSpPr>
+          <p:nvPr>
+            <p:ph type="title"/>
+          </p:nvPr>
+        </p:nvSpPr>
+        <p:spPr/>
+        <p:txBody>
+          <a:bodyPr/>
+          <a:lstStyle/>
+          <a:p>
+            <a:r>
+              <a:rPr lang="en-US" dirty="0"/>
+              <a:t>Actuator Led with Buzzer</a:t>
+            </a:r>
+            <a:endParaRPr lang="en-AU" dirty="0"/>
+          </a:p>
+        </p:txBody>
+      </p:sp>
+      <p:sp>
+        <p:nvSpPr>
+          <p:cNvPr id="3" name="Content Placeholder 2">
+            <a:extLst>
+              <a:ext uri="{FF2B5EF4-FFF2-40B4-BE49-F238E27FC236}">
+                <a16:creationId xmlns:a16="http://schemas.microsoft.com/office/drawing/2014/main" id="{C90ED5C8-3F22-F73D-849E-55BF8CA414A8}"/>
+              </a:ext>
+            </a:extLst>
+          </p:cNvPr>
+          <p:cNvSpPr>
+            <a:spLocks noGrp="1"/>
+          </p:cNvSpPr>
+          <p:nvPr>
+            <p:ph idx="1"/>
+          </p:nvPr>
+        </p:nvSpPr>
+        <p:spPr>
+          <a:xfrm>
+            <a:off x="205273" y="1352939"/>
+            <a:ext cx="11148527" cy="4824024"/>
+          </a:xfrm>
+        </p:spPr>
+        <p:txBody>
+          <a:bodyPr numCol="2">
+            <a:normAutofit fontScale="40000" lnSpcReduction="20000"/>
+          </a:bodyPr>
+          <a:lstStyle/>
+          <a:p>
+            <a:r>
+              <a:rPr lang="en-AU" b="0" dirty="0">
+                <a:solidFill>
+                  <a:srgbClr val="95A5A6"/>
+                </a:solidFill>
+                <a:effectLst/>
+                <a:latin typeface="Consolas" panose="020B0609020204030204" pitchFamily="49" charset="0"/>
+              </a:rPr>
+              <a:t>//Define Pins</a:t>
+            </a:r>
+            <a:endParaRPr lang="en-AU" b="0" dirty="0">
+              <a:solidFill>
+                <a:srgbClr val="4E5B61"/>
+              </a:solidFill>
+              <a:effectLst/>
+              <a:latin typeface="Consolas" panose="020B0609020204030204" pitchFamily="49" charset="0"/>
+            </a:endParaRPr>
+          </a:p>
+          <a:p>
+            <a:r>
+              <a:rPr lang="en-AU" b="0" dirty="0">
+                <a:solidFill>
+                  <a:srgbClr val="00979D"/>
+                </a:solidFill>
+                <a:effectLst/>
+                <a:latin typeface="Consolas" panose="020B0609020204030204" pitchFamily="49" charset="0"/>
+              </a:rPr>
+              <a:t>const</a:t>
+            </a:r>
+            <a:r>
+              <a:rPr lang="en-AU" b="0" dirty="0">
+                <a:solidFill>
+                  <a:srgbClr val="4E5B61"/>
+                </a:solidFill>
+                <a:effectLst/>
+                <a:latin typeface="Consolas" panose="020B0609020204030204" pitchFamily="49" charset="0"/>
+              </a:rPr>
+              <a:t> </a:t>
+            </a:r>
+            <a:r>
+              <a:rPr lang="en-AU" b="0" dirty="0">
+                <a:solidFill>
+                  <a:srgbClr val="00979D"/>
+                </a:solidFill>
+                <a:effectLst/>
+                <a:latin typeface="Consolas" panose="020B0609020204030204" pitchFamily="49" charset="0"/>
+              </a:rPr>
+              <a:t>int</a:t>
+            </a:r>
+            <a:r>
+              <a:rPr lang="en-AU" b="0" dirty="0">
+                <a:solidFill>
+                  <a:srgbClr val="4E5B61"/>
+                </a:solidFill>
+                <a:effectLst/>
+                <a:latin typeface="Consolas" panose="020B0609020204030204" pitchFamily="49" charset="0"/>
+              </a:rPr>
+              <a:t> led1 = </a:t>
+            </a:r>
+            <a:r>
+              <a:rPr lang="en-AU" b="0" dirty="0">
+                <a:solidFill>
+                  <a:srgbClr val="005C5F"/>
+                </a:solidFill>
+                <a:effectLst/>
+                <a:latin typeface="Consolas" panose="020B0609020204030204" pitchFamily="49" charset="0"/>
+              </a:rPr>
+              <a:t>1</a:t>
+            </a:r>
+            <a:r>
+              <a:rPr lang="en-AU" b="0" dirty="0">
+                <a:solidFill>
+                  <a:srgbClr val="4E5B61"/>
+                </a:solidFill>
+                <a:effectLst/>
+                <a:latin typeface="Consolas" panose="020B0609020204030204" pitchFamily="49" charset="0"/>
+              </a:rPr>
+              <a:t>;</a:t>
+            </a:r>
+            <a:r>
+              <a:rPr lang="en-AU" b="0" dirty="0">
+                <a:solidFill>
+                  <a:srgbClr val="95A5A6"/>
+                </a:solidFill>
+                <a:effectLst/>
+                <a:latin typeface="Consolas" panose="020B0609020204030204" pitchFamily="49" charset="0"/>
+              </a:rPr>
+              <a:t> //Red LED</a:t>
+            </a:r>
+            <a:endParaRPr lang="en-AU" b="0" dirty="0">
+              <a:solidFill>
+                <a:srgbClr val="4E5B61"/>
+              </a:solidFill>
+              <a:effectLst/>
+              <a:latin typeface="Consolas" panose="020B0609020204030204" pitchFamily="49" charset="0"/>
+            </a:endParaRPr>
+          </a:p>
+          <a:p>
+            <a:r>
+              <a:rPr lang="en-AU" b="0" dirty="0">
+                <a:solidFill>
+                  <a:srgbClr val="00979D"/>
+                </a:solidFill>
+                <a:effectLst/>
+                <a:latin typeface="Consolas" panose="020B0609020204030204" pitchFamily="49" charset="0"/>
+              </a:rPr>
+              <a:t>const</a:t>
+            </a:r>
+            <a:r>
+              <a:rPr lang="en-AU" b="0" dirty="0">
+                <a:solidFill>
+                  <a:srgbClr val="4E5B61"/>
+                </a:solidFill>
+                <a:effectLst/>
+                <a:latin typeface="Consolas" panose="020B0609020204030204" pitchFamily="49" charset="0"/>
+              </a:rPr>
+              <a:t> </a:t>
+            </a:r>
+            <a:r>
+              <a:rPr lang="en-AU" b="0" dirty="0">
+                <a:solidFill>
+                  <a:srgbClr val="00979D"/>
+                </a:solidFill>
+                <a:effectLst/>
+                <a:latin typeface="Consolas" panose="020B0609020204030204" pitchFamily="49" charset="0"/>
+              </a:rPr>
+              <a:t>int</a:t>
+            </a:r>
+            <a:r>
+              <a:rPr lang="en-AU" b="0" dirty="0">
+                <a:solidFill>
+                  <a:srgbClr val="4E5B61"/>
+                </a:solidFill>
+                <a:effectLst/>
+                <a:latin typeface="Consolas" panose="020B0609020204030204" pitchFamily="49" charset="0"/>
+              </a:rPr>
+              <a:t> led2 = </a:t>
+            </a:r>
+            <a:r>
+              <a:rPr lang="en-AU" b="0" dirty="0">
+                <a:solidFill>
+                  <a:srgbClr val="005C5F"/>
+                </a:solidFill>
+                <a:effectLst/>
+                <a:latin typeface="Consolas" panose="020B0609020204030204" pitchFamily="49" charset="0"/>
+              </a:rPr>
+              <a:t>2</a:t>
+            </a:r>
+            <a:r>
+              <a:rPr lang="en-AU" b="0" dirty="0">
+                <a:solidFill>
+                  <a:srgbClr val="4E5B61"/>
+                </a:solidFill>
+                <a:effectLst/>
+                <a:latin typeface="Consolas" panose="020B0609020204030204" pitchFamily="49" charset="0"/>
+              </a:rPr>
+              <a:t>;</a:t>
+            </a:r>
+            <a:r>
+              <a:rPr lang="en-AU" b="0" dirty="0">
+                <a:solidFill>
+                  <a:srgbClr val="95A5A6"/>
+                </a:solidFill>
+                <a:effectLst/>
+                <a:latin typeface="Consolas" panose="020B0609020204030204" pitchFamily="49" charset="0"/>
+              </a:rPr>
+              <a:t> //Yellow LED</a:t>
+            </a:r>
+            <a:endParaRPr lang="en-AU" b="0" dirty="0">
+              <a:solidFill>
+                <a:srgbClr val="4E5B61"/>
+              </a:solidFill>
+              <a:effectLst/>
+              <a:latin typeface="Consolas" panose="020B0609020204030204" pitchFamily="49" charset="0"/>
+            </a:endParaRPr>
+          </a:p>
+          <a:p>
+            <a:r>
+              <a:rPr lang="en-AU" b="0" dirty="0">
+                <a:solidFill>
+                  <a:srgbClr val="00979D"/>
+                </a:solidFill>
+                <a:effectLst/>
+                <a:latin typeface="Consolas" panose="020B0609020204030204" pitchFamily="49" charset="0"/>
+              </a:rPr>
+              <a:t>const</a:t>
+            </a:r>
+            <a:r>
+              <a:rPr lang="en-AU" b="0" dirty="0">
+                <a:solidFill>
+                  <a:srgbClr val="4E5B61"/>
+                </a:solidFill>
+                <a:effectLst/>
+                <a:latin typeface="Consolas" panose="020B0609020204030204" pitchFamily="49" charset="0"/>
+              </a:rPr>
+              <a:t> </a:t>
+            </a:r>
+            <a:r>
+              <a:rPr lang="en-AU" b="0" dirty="0">
+                <a:solidFill>
+                  <a:srgbClr val="00979D"/>
+                </a:solidFill>
+                <a:effectLst/>
+                <a:latin typeface="Consolas" panose="020B0609020204030204" pitchFamily="49" charset="0"/>
+              </a:rPr>
+              <a:t>int</a:t>
+            </a:r>
+            <a:r>
+              <a:rPr lang="en-AU" b="0" dirty="0">
+                <a:solidFill>
+                  <a:srgbClr val="4E5B61"/>
+                </a:solidFill>
+                <a:effectLst/>
+                <a:latin typeface="Consolas" panose="020B0609020204030204" pitchFamily="49" charset="0"/>
+              </a:rPr>
+              <a:t> led3 = </a:t>
+            </a:r>
+            <a:r>
+              <a:rPr lang="en-AU" b="0" dirty="0">
+                <a:solidFill>
+                  <a:srgbClr val="005C5F"/>
+                </a:solidFill>
+                <a:effectLst/>
+                <a:latin typeface="Consolas" panose="020B0609020204030204" pitchFamily="49" charset="0"/>
+              </a:rPr>
+              <a:t>3</a:t>
+            </a:r>
+            <a:r>
+              <a:rPr lang="en-AU" b="0" dirty="0">
+                <a:solidFill>
+                  <a:srgbClr val="4E5B61"/>
+                </a:solidFill>
+                <a:effectLst/>
+                <a:latin typeface="Consolas" panose="020B0609020204030204" pitchFamily="49" charset="0"/>
+              </a:rPr>
+              <a:t>;</a:t>
+            </a:r>
+            <a:r>
+              <a:rPr lang="en-AU" b="0" dirty="0">
+                <a:solidFill>
+                  <a:srgbClr val="95A5A6"/>
+                </a:solidFill>
+                <a:effectLst/>
+                <a:latin typeface="Consolas" panose="020B0609020204030204" pitchFamily="49" charset="0"/>
+              </a:rPr>
+              <a:t> //Green LED</a:t>
+            </a:r>
+            <a:endParaRPr lang="en-AU" b="0" dirty="0">
+              <a:solidFill>
+                <a:srgbClr val="4E5B61"/>
+              </a:solidFill>
+              <a:effectLst/>
+              <a:latin typeface="Consolas" panose="020B0609020204030204" pitchFamily="49" charset="0"/>
+            </a:endParaRPr>
+          </a:p>
+          <a:p>
+            <a:r>
+              <a:rPr lang="en-AU" b="0" dirty="0">
+                <a:solidFill>
+                  <a:srgbClr val="00979D"/>
+                </a:solidFill>
+                <a:effectLst/>
+                <a:latin typeface="Consolas" panose="020B0609020204030204" pitchFamily="49" charset="0"/>
+              </a:rPr>
+              <a:t>const</a:t>
+            </a:r>
+            <a:r>
+              <a:rPr lang="en-AU" b="0" dirty="0">
+                <a:solidFill>
+                  <a:srgbClr val="4E5B61"/>
+                </a:solidFill>
+                <a:effectLst/>
+                <a:latin typeface="Consolas" panose="020B0609020204030204" pitchFamily="49" charset="0"/>
+              </a:rPr>
+              <a:t> </a:t>
+            </a:r>
+            <a:r>
+              <a:rPr lang="en-AU" b="0" dirty="0">
+                <a:solidFill>
+                  <a:srgbClr val="00979D"/>
+                </a:solidFill>
+                <a:effectLst/>
+                <a:latin typeface="Consolas" panose="020B0609020204030204" pitchFamily="49" charset="0"/>
+              </a:rPr>
+              <a:t>int</a:t>
+            </a:r>
+            <a:r>
+              <a:rPr lang="en-AU" b="0" dirty="0">
+                <a:solidFill>
+                  <a:srgbClr val="4E5B61"/>
+                </a:solidFill>
+                <a:effectLst/>
+                <a:latin typeface="Consolas" panose="020B0609020204030204" pitchFamily="49" charset="0"/>
+              </a:rPr>
+              <a:t> buzzer = </a:t>
+            </a:r>
+            <a:r>
+              <a:rPr lang="en-AU" b="0" dirty="0">
+                <a:solidFill>
+                  <a:srgbClr val="005C5F"/>
+                </a:solidFill>
+                <a:effectLst/>
+                <a:latin typeface="Consolas" panose="020B0609020204030204" pitchFamily="49" charset="0"/>
+              </a:rPr>
+              <a:t>4</a:t>
+            </a:r>
+            <a:r>
+              <a:rPr lang="en-AU" b="0" dirty="0">
+                <a:solidFill>
+                  <a:srgbClr val="4E5B61"/>
+                </a:solidFill>
+                <a:effectLst/>
+                <a:latin typeface="Consolas" panose="020B0609020204030204" pitchFamily="49" charset="0"/>
+              </a:rPr>
+              <a:t>;</a:t>
+            </a:r>
+            <a:r>
+              <a:rPr lang="en-AU" b="0" dirty="0">
+                <a:solidFill>
+                  <a:srgbClr val="95A5A6"/>
+                </a:solidFill>
+                <a:effectLst/>
+                <a:latin typeface="Consolas" panose="020B0609020204030204" pitchFamily="49" charset="0"/>
+              </a:rPr>
+              <a:t> //Buzzer</a:t>
+            </a:r>
+            <a:endParaRPr lang="en-AU" b="0" dirty="0">
+              <a:solidFill>
+                <a:srgbClr val="4E5B61"/>
+              </a:solidFill>
+              <a:effectLst/>
+              <a:latin typeface="Consolas" panose="020B0609020204030204" pitchFamily="49" charset="0"/>
+            </a:endParaRPr>
+          </a:p>
+          <a:p>
+            <a:br>
+              <a:rPr lang="en-AU" b="0" dirty="0">
+                <a:solidFill>
+                  <a:srgbClr val="4E5B61"/>
+                </a:solidFill>
+                <a:effectLst/>
+                <a:latin typeface="Consolas" panose="020B0609020204030204" pitchFamily="49" charset="0"/>
+              </a:rPr>
+            </a:br>
+            <a:br>
+              <a:rPr lang="en-AU" b="0" dirty="0">
+                <a:solidFill>
+                  <a:srgbClr val="4E5B61"/>
+                </a:solidFill>
+                <a:effectLst/>
+                <a:latin typeface="Consolas" panose="020B0609020204030204" pitchFamily="49" charset="0"/>
+              </a:rPr>
+            </a:br>
+            <a:r>
+              <a:rPr lang="en-AU" b="0" dirty="0">
+                <a:solidFill>
+                  <a:srgbClr val="00979D"/>
+                </a:solidFill>
+                <a:effectLst/>
+                <a:latin typeface="Consolas" panose="020B0609020204030204" pitchFamily="49" charset="0"/>
+              </a:rPr>
+              <a:t>void</a:t>
+            </a:r>
+            <a:r>
+              <a:rPr lang="en-AU" b="0" dirty="0">
+                <a:solidFill>
+                  <a:srgbClr val="4E5B61"/>
+                </a:solidFill>
+                <a:effectLst/>
+                <a:latin typeface="Consolas" panose="020B0609020204030204" pitchFamily="49" charset="0"/>
+              </a:rPr>
+              <a:t> </a:t>
+            </a:r>
+            <a:r>
+              <a:rPr lang="en-AU" b="0" dirty="0">
+                <a:solidFill>
+                  <a:srgbClr val="D35400"/>
+                </a:solidFill>
+                <a:effectLst/>
+                <a:latin typeface="Consolas" panose="020B0609020204030204" pitchFamily="49" charset="0"/>
+              </a:rPr>
+              <a:t>setup</a:t>
+            </a:r>
+            <a:r>
+              <a:rPr lang="en-AU" b="0" dirty="0">
+                <a:solidFill>
+                  <a:srgbClr val="434F54"/>
+                </a:solidFill>
+                <a:effectLst/>
+                <a:latin typeface="Consolas" panose="020B0609020204030204" pitchFamily="49" charset="0"/>
+              </a:rPr>
+              <a:t>()</a:t>
+            </a:r>
+            <a:r>
+              <a:rPr lang="en-AU" b="0" dirty="0">
+                <a:solidFill>
+                  <a:srgbClr val="4E5B61"/>
+                </a:solidFill>
+                <a:effectLst/>
+                <a:latin typeface="Consolas" panose="020B0609020204030204" pitchFamily="49" charset="0"/>
+              </a:rPr>
+              <a:t> </a:t>
+            </a:r>
+            <a:r>
+              <a:rPr lang="en-AU" b="0" dirty="0">
+                <a:solidFill>
+                  <a:srgbClr val="434F54"/>
+                </a:solidFill>
+                <a:effectLst/>
+                <a:latin typeface="Consolas" panose="020B0609020204030204" pitchFamily="49" charset="0"/>
+              </a:rPr>
+              <a:t>{</a:t>
+            </a:r>
+            <a:endParaRPr lang="en-AU" b="0" dirty="0">
+              <a:solidFill>
+                <a:srgbClr val="4E5B61"/>
+              </a:solidFill>
+              <a:effectLst/>
+              <a:latin typeface="Consolas" panose="020B0609020204030204" pitchFamily="49" charset="0"/>
+            </a:endParaRPr>
+          </a:p>
+          <a:p>
+            <a:r>
+              <a:rPr lang="en-AU" b="0" dirty="0">
+                <a:solidFill>
+                  <a:srgbClr val="4E5B61"/>
+                </a:solidFill>
+                <a:effectLst/>
+                <a:latin typeface="Consolas" panose="020B0609020204030204" pitchFamily="49" charset="0"/>
+              </a:rPr>
+              <a:t>  </a:t>
+            </a:r>
+            <a:r>
+              <a:rPr lang="en-AU" b="0" dirty="0" err="1">
+                <a:solidFill>
+                  <a:srgbClr val="D35400"/>
+                </a:solidFill>
+                <a:effectLst/>
+                <a:latin typeface="Consolas" panose="020B0609020204030204" pitchFamily="49" charset="0"/>
+              </a:rPr>
+              <a:t>Serial</a:t>
+            </a:r>
+            <a:r>
+              <a:rPr lang="en-AU" b="0" dirty="0" err="1">
+                <a:solidFill>
+                  <a:srgbClr val="4E5B61"/>
+                </a:solidFill>
+                <a:effectLst/>
+                <a:latin typeface="Consolas" panose="020B0609020204030204" pitchFamily="49" charset="0"/>
+              </a:rPr>
+              <a:t>.</a:t>
+            </a:r>
+            <a:r>
+              <a:rPr lang="en-AU" b="0" dirty="0" err="1">
+                <a:solidFill>
+                  <a:srgbClr val="D35400"/>
+                </a:solidFill>
+                <a:effectLst/>
+                <a:latin typeface="Consolas" panose="020B0609020204030204" pitchFamily="49" charset="0"/>
+              </a:rPr>
+              <a:t>begin</a:t>
+            </a:r>
+            <a:r>
+              <a:rPr lang="en-AU" b="0" dirty="0">
+                <a:solidFill>
+                  <a:srgbClr val="434F54"/>
+                </a:solidFill>
+                <a:effectLst/>
+                <a:latin typeface="Consolas" panose="020B0609020204030204" pitchFamily="49" charset="0"/>
+              </a:rPr>
+              <a:t>(</a:t>
+            </a:r>
+            <a:r>
+              <a:rPr lang="en-AU" b="0" dirty="0">
+                <a:solidFill>
+                  <a:srgbClr val="005C5F"/>
+                </a:solidFill>
+                <a:effectLst/>
+                <a:latin typeface="Consolas" panose="020B0609020204030204" pitchFamily="49" charset="0"/>
+              </a:rPr>
+              <a:t>9600</a:t>
+            </a:r>
+            <a:r>
+              <a:rPr lang="en-AU" b="0" dirty="0">
+                <a:solidFill>
+                  <a:srgbClr val="434F54"/>
+                </a:solidFill>
+                <a:effectLst/>
+                <a:latin typeface="Consolas" panose="020B0609020204030204" pitchFamily="49" charset="0"/>
+              </a:rPr>
+              <a:t>)</a:t>
+            </a:r>
+            <a:r>
+              <a:rPr lang="en-AU" b="0" dirty="0">
+                <a:solidFill>
+                  <a:srgbClr val="4E5B61"/>
+                </a:solidFill>
+                <a:effectLst/>
+                <a:latin typeface="Consolas" panose="020B0609020204030204" pitchFamily="49" charset="0"/>
+              </a:rPr>
+              <a:t>;</a:t>
+            </a:r>
+            <a:r>
+              <a:rPr lang="en-AU" b="0" dirty="0">
+                <a:solidFill>
+                  <a:srgbClr val="95A5A6"/>
+                </a:solidFill>
+                <a:effectLst/>
+                <a:latin typeface="Consolas" panose="020B0609020204030204" pitchFamily="49" charset="0"/>
+              </a:rPr>
+              <a:t> // Delivering Data from Bluetooth</a:t>
+            </a:r>
+            <a:endParaRPr lang="en-AU" b="0" dirty="0">
+              <a:solidFill>
+                <a:srgbClr val="4E5B61"/>
+              </a:solidFill>
+              <a:effectLst/>
+              <a:latin typeface="Consolas" panose="020B0609020204030204" pitchFamily="49" charset="0"/>
+            </a:endParaRPr>
+          </a:p>
+          <a:p>
+            <a:r>
+              <a:rPr lang="en-AU" b="0" dirty="0">
+                <a:solidFill>
+                  <a:srgbClr val="4E5B61"/>
+                </a:solidFill>
+                <a:effectLst/>
+                <a:latin typeface="Consolas" panose="020B0609020204030204" pitchFamily="49" charset="0"/>
+              </a:rPr>
+              <a:t>  </a:t>
+            </a:r>
+            <a:r>
+              <a:rPr lang="en-AU" b="0" dirty="0">
+                <a:solidFill>
+                  <a:srgbClr val="D35400"/>
+                </a:solidFill>
+                <a:effectLst/>
+                <a:latin typeface="Consolas" panose="020B0609020204030204" pitchFamily="49" charset="0"/>
+              </a:rPr>
+              <a:t>Serial1</a:t>
+            </a:r>
+            <a:r>
+              <a:rPr lang="en-AU" b="0" dirty="0">
+                <a:solidFill>
+                  <a:srgbClr val="4E5B61"/>
+                </a:solidFill>
+                <a:effectLst/>
+                <a:latin typeface="Consolas" panose="020B0609020204030204" pitchFamily="49" charset="0"/>
+              </a:rPr>
+              <a:t>.</a:t>
+            </a:r>
+            <a:r>
+              <a:rPr lang="en-AU" b="0" dirty="0">
+                <a:solidFill>
+                  <a:srgbClr val="D35400"/>
+                </a:solidFill>
+                <a:effectLst/>
+                <a:latin typeface="Consolas" panose="020B0609020204030204" pitchFamily="49" charset="0"/>
+              </a:rPr>
+              <a:t>begin</a:t>
+            </a:r>
+            <a:r>
+              <a:rPr lang="en-AU" b="0" dirty="0">
+                <a:solidFill>
+                  <a:srgbClr val="434F54"/>
+                </a:solidFill>
+                <a:effectLst/>
+                <a:latin typeface="Consolas" panose="020B0609020204030204" pitchFamily="49" charset="0"/>
+              </a:rPr>
+              <a:t>(</a:t>
+            </a:r>
+            <a:r>
+              <a:rPr lang="en-AU" b="0" dirty="0">
+                <a:solidFill>
+                  <a:srgbClr val="005C5F"/>
+                </a:solidFill>
+                <a:effectLst/>
+                <a:latin typeface="Consolas" panose="020B0609020204030204" pitchFamily="49" charset="0"/>
+              </a:rPr>
+              <a:t>9600</a:t>
+            </a:r>
+            <a:r>
+              <a:rPr lang="en-AU" b="0" dirty="0">
+                <a:solidFill>
+                  <a:srgbClr val="434F54"/>
+                </a:solidFill>
+                <a:effectLst/>
+                <a:latin typeface="Consolas" panose="020B0609020204030204" pitchFamily="49" charset="0"/>
+              </a:rPr>
+              <a:t>)</a:t>
+            </a:r>
+            <a:r>
+              <a:rPr lang="en-AU" b="0" dirty="0">
+                <a:solidFill>
+                  <a:srgbClr val="4E5B61"/>
+                </a:solidFill>
+                <a:effectLst/>
+                <a:latin typeface="Consolas" panose="020B0609020204030204" pitchFamily="49" charset="0"/>
+              </a:rPr>
+              <a:t>;</a:t>
+            </a:r>
+            <a:r>
+              <a:rPr lang="en-AU" b="0" dirty="0">
+                <a:solidFill>
+                  <a:srgbClr val="95A5A6"/>
+                </a:solidFill>
+                <a:effectLst/>
+                <a:latin typeface="Consolas" panose="020B0609020204030204" pitchFamily="49" charset="0"/>
+              </a:rPr>
+              <a:t> // Incoming data from Bluetooth</a:t>
+            </a:r>
+            <a:endParaRPr lang="en-AU" b="0" dirty="0">
+              <a:solidFill>
+                <a:srgbClr val="4E5B61"/>
+              </a:solidFill>
+              <a:effectLst/>
+              <a:latin typeface="Consolas" panose="020B0609020204030204" pitchFamily="49" charset="0"/>
+            </a:endParaRPr>
+          </a:p>
+          <a:p>
+            <a:r>
+              <a:rPr lang="en-AU" b="0" dirty="0">
+                <a:solidFill>
+                  <a:srgbClr val="4E5B61"/>
+                </a:solidFill>
+                <a:effectLst/>
+                <a:latin typeface="Consolas" panose="020B0609020204030204" pitchFamily="49" charset="0"/>
+              </a:rPr>
+              <a:t>  </a:t>
+            </a:r>
+            <a:r>
+              <a:rPr lang="en-AU" b="0" dirty="0" err="1">
+                <a:solidFill>
+                  <a:srgbClr val="D35400"/>
+                </a:solidFill>
+                <a:effectLst/>
+                <a:latin typeface="Consolas" panose="020B0609020204030204" pitchFamily="49" charset="0"/>
+              </a:rPr>
+              <a:t>pinMode</a:t>
+            </a:r>
+            <a:r>
+              <a:rPr lang="en-AU" b="0" dirty="0">
+                <a:solidFill>
+                  <a:srgbClr val="434F54"/>
+                </a:solidFill>
+                <a:effectLst/>
+                <a:latin typeface="Consolas" panose="020B0609020204030204" pitchFamily="49" charset="0"/>
+              </a:rPr>
+              <a:t>(</a:t>
+            </a:r>
+            <a:r>
+              <a:rPr lang="en-AU" b="0" dirty="0">
+                <a:solidFill>
+                  <a:srgbClr val="4E5B61"/>
+                </a:solidFill>
+                <a:effectLst/>
+                <a:latin typeface="Consolas" panose="020B0609020204030204" pitchFamily="49" charset="0"/>
+              </a:rPr>
+              <a:t>led1, OUTPUT</a:t>
+            </a:r>
+            <a:r>
+              <a:rPr lang="en-AU" b="0" dirty="0">
+                <a:solidFill>
+                  <a:srgbClr val="434F54"/>
+                </a:solidFill>
+                <a:effectLst/>
+                <a:latin typeface="Consolas" panose="020B0609020204030204" pitchFamily="49" charset="0"/>
+              </a:rPr>
+              <a:t>)</a:t>
+            </a:r>
+            <a:r>
+              <a:rPr lang="en-AU" b="0" dirty="0">
+                <a:solidFill>
+                  <a:srgbClr val="4E5B61"/>
+                </a:solidFill>
+                <a:effectLst/>
+                <a:latin typeface="Consolas" panose="020B0609020204030204" pitchFamily="49" charset="0"/>
+              </a:rPr>
+              <a:t>;</a:t>
+            </a:r>
+          </a:p>
+          <a:p>
+            <a:r>
+              <a:rPr lang="en-AU" b="0" dirty="0">
+                <a:solidFill>
+                  <a:srgbClr val="4E5B61"/>
+                </a:solidFill>
+                <a:effectLst/>
+                <a:latin typeface="Consolas" panose="020B0609020204030204" pitchFamily="49" charset="0"/>
+              </a:rPr>
+              <a:t>  </a:t>
+            </a:r>
+            <a:r>
+              <a:rPr lang="en-AU" b="0" dirty="0" err="1">
+                <a:solidFill>
+                  <a:srgbClr val="D35400"/>
+                </a:solidFill>
+                <a:effectLst/>
+                <a:latin typeface="Consolas" panose="020B0609020204030204" pitchFamily="49" charset="0"/>
+              </a:rPr>
+              <a:t>pinMode</a:t>
+            </a:r>
+            <a:r>
+              <a:rPr lang="en-AU" b="0" dirty="0">
+                <a:solidFill>
+                  <a:srgbClr val="434F54"/>
+                </a:solidFill>
+                <a:effectLst/>
+                <a:latin typeface="Consolas" panose="020B0609020204030204" pitchFamily="49" charset="0"/>
+              </a:rPr>
+              <a:t>(</a:t>
+            </a:r>
+            <a:r>
+              <a:rPr lang="en-AU" b="0" dirty="0">
+                <a:solidFill>
+                  <a:srgbClr val="4E5B61"/>
+                </a:solidFill>
+                <a:effectLst/>
+                <a:latin typeface="Consolas" panose="020B0609020204030204" pitchFamily="49" charset="0"/>
+              </a:rPr>
+              <a:t>led2, OUTPUT</a:t>
+            </a:r>
+            <a:r>
+              <a:rPr lang="en-AU" b="0" dirty="0">
+                <a:solidFill>
+                  <a:srgbClr val="434F54"/>
+                </a:solidFill>
+                <a:effectLst/>
+                <a:latin typeface="Consolas" panose="020B0609020204030204" pitchFamily="49" charset="0"/>
+              </a:rPr>
+              <a:t>)</a:t>
+            </a:r>
+            <a:r>
+              <a:rPr lang="en-AU" b="0" dirty="0">
+                <a:solidFill>
+                  <a:srgbClr val="4E5B61"/>
+                </a:solidFill>
+                <a:effectLst/>
+                <a:latin typeface="Consolas" panose="020B0609020204030204" pitchFamily="49" charset="0"/>
+              </a:rPr>
+              <a:t>;</a:t>
+            </a:r>
+          </a:p>
+          <a:p>
+            <a:r>
+              <a:rPr lang="en-AU" b="0" dirty="0">
+                <a:solidFill>
+                  <a:srgbClr val="4E5B61"/>
+                </a:solidFill>
+                <a:effectLst/>
+                <a:latin typeface="Consolas" panose="020B0609020204030204" pitchFamily="49" charset="0"/>
+              </a:rPr>
+              <a:t>  </a:t>
+            </a:r>
+            <a:r>
+              <a:rPr lang="en-AU" b="0" dirty="0" err="1">
+                <a:solidFill>
+                  <a:srgbClr val="D35400"/>
+                </a:solidFill>
+                <a:effectLst/>
+                <a:latin typeface="Consolas" panose="020B0609020204030204" pitchFamily="49" charset="0"/>
+              </a:rPr>
+              <a:t>pinMode</a:t>
+            </a:r>
+            <a:r>
+              <a:rPr lang="en-AU" b="0" dirty="0">
+                <a:solidFill>
+                  <a:srgbClr val="434F54"/>
+                </a:solidFill>
+                <a:effectLst/>
+                <a:latin typeface="Consolas" panose="020B0609020204030204" pitchFamily="49" charset="0"/>
+              </a:rPr>
+              <a:t>(</a:t>
+            </a:r>
+            <a:r>
+              <a:rPr lang="en-AU" b="0" dirty="0">
+                <a:solidFill>
+                  <a:srgbClr val="4E5B61"/>
+                </a:solidFill>
+                <a:effectLst/>
+                <a:latin typeface="Consolas" panose="020B0609020204030204" pitchFamily="49" charset="0"/>
+              </a:rPr>
+              <a:t>led3, OUTPUT</a:t>
+            </a:r>
+            <a:r>
+              <a:rPr lang="en-AU" b="0" dirty="0">
+                <a:solidFill>
+                  <a:srgbClr val="434F54"/>
+                </a:solidFill>
+                <a:effectLst/>
+                <a:latin typeface="Consolas" panose="020B0609020204030204" pitchFamily="49" charset="0"/>
+              </a:rPr>
+              <a:t>)</a:t>
+            </a:r>
+            <a:r>
+              <a:rPr lang="en-AU" b="0" dirty="0">
+                <a:solidFill>
+                  <a:srgbClr val="4E5B61"/>
+                </a:solidFill>
+                <a:effectLst/>
+                <a:latin typeface="Consolas" panose="020B0609020204030204" pitchFamily="49" charset="0"/>
+              </a:rPr>
+              <a:t>;</a:t>
+            </a:r>
+          </a:p>
+          <a:p>
+            <a:r>
+              <a:rPr lang="en-AU" b="0" dirty="0">
+                <a:solidFill>
+                  <a:srgbClr val="4E5B61"/>
+                </a:solidFill>
+                <a:effectLst/>
+                <a:latin typeface="Consolas" panose="020B0609020204030204" pitchFamily="49" charset="0"/>
+              </a:rPr>
+              <a:t>  </a:t>
+            </a:r>
+            <a:r>
+              <a:rPr lang="en-AU" b="0" dirty="0" err="1">
+                <a:solidFill>
+                  <a:srgbClr val="D35400"/>
+                </a:solidFill>
+                <a:effectLst/>
+                <a:latin typeface="Consolas" panose="020B0609020204030204" pitchFamily="49" charset="0"/>
+              </a:rPr>
+              <a:t>pinMode</a:t>
+            </a:r>
+            <a:r>
+              <a:rPr lang="en-AU" b="0" dirty="0">
+                <a:solidFill>
+                  <a:srgbClr val="434F54"/>
+                </a:solidFill>
+                <a:effectLst/>
+                <a:latin typeface="Consolas" panose="020B0609020204030204" pitchFamily="49" charset="0"/>
+              </a:rPr>
+              <a:t>(</a:t>
+            </a:r>
+            <a:r>
+              <a:rPr lang="en-AU" b="0" dirty="0">
+                <a:solidFill>
+                  <a:srgbClr val="4E5B61"/>
+                </a:solidFill>
+                <a:effectLst/>
+                <a:latin typeface="Consolas" panose="020B0609020204030204" pitchFamily="49" charset="0"/>
+              </a:rPr>
+              <a:t>buzzer, OUTPUT</a:t>
+            </a:r>
+            <a:r>
+              <a:rPr lang="en-AU" b="0" dirty="0">
+                <a:solidFill>
+                  <a:srgbClr val="434F54"/>
+                </a:solidFill>
+                <a:effectLst/>
+                <a:latin typeface="Consolas" panose="020B0609020204030204" pitchFamily="49" charset="0"/>
+              </a:rPr>
+              <a:t>)</a:t>
+            </a:r>
+            <a:r>
+              <a:rPr lang="en-AU" b="0" dirty="0">
+                <a:solidFill>
+                  <a:srgbClr val="4E5B61"/>
+                </a:solidFill>
+                <a:effectLst/>
+                <a:latin typeface="Consolas" panose="020B0609020204030204" pitchFamily="49" charset="0"/>
+              </a:rPr>
+              <a:t>;</a:t>
+            </a:r>
+          </a:p>
+          <a:p>
+            <a:r>
+              <a:rPr lang="en-AU" b="0" dirty="0">
+                <a:solidFill>
+                  <a:srgbClr val="434F54"/>
+                </a:solidFill>
+                <a:effectLst/>
+                <a:latin typeface="Consolas" panose="020B0609020204030204" pitchFamily="49" charset="0"/>
+              </a:rPr>
+              <a:t>}</a:t>
+            </a:r>
+            <a:endParaRPr lang="en-AU" b="0" dirty="0">
+              <a:solidFill>
+                <a:srgbClr val="4E5B61"/>
+              </a:solidFill>
+              <a:effectLst/>
+              <a:latin typeface="Consolas" panose="020B0609020204030204" pitchFamily="49" charset="0"/>
+            </a:endParaRPr>
+          </a:p>
+          <a:p>
+            <a:br>
+              <a:rPr lang="en-AU" b="0" dirty="0">
+                <a:solidFill>
+                  <a:srgbClr val="4E5B61"/>
+                </a:solidFill>
+                <a:effectLst/>
+                <a:latin typeface="Consolas" panose="020B0609020204030204" pitchFamily="49" charset="0"/>
+              </a:rPr>
+            </a:br>
+            <a:r>
+              <a:rPr lang="en-AU" b="0" dirty="0">
+                <a:solidFill>
+                  <a:srgbClr val="00979D"/>
+                </a:solidFill>
+                <a:effectLst/>
+                <a:latin typeface="Consolas" panose="020B0609020204030204" pitchFamily="49" charset="0"/>
+              </a:rPr>
+              <a:t>void</a:t>
+            </a:r>
+            <a:r>
+              <a:rPr lang="en-AU" b="0" dirty="0">
+                <a:solidFill>
+                  <a:srgbClr val="4E5B61"/>
+                </a:solidFill>
+                <a:effectLst/>
+                <a:latin typeface="Consolas" panose="020B0609020204030204" pitchFamily="49" charset="0"/>
+              </a:rPr>
+              <a:t> </a:t>
+            </a:r>
+            <a:r>
+              <a:rPr lang="en-AU" b="0" dirty="0">
+                <a:solidFill>
+                  <a:srgbClr val="D35400"/>
+                </a:solidFill>
+                <a:effectLst/>
+                <a:latin typeface="Consolas" panose="020B0609020204030204" pitchFamily="49" charset="0"/>
+              </a:rPr>
+              <a:t>loop</a:t>
+            </a:r>
+            <a:r>
+              <a:rPr lang="en-AU" b="0" dirty="0">
+                <a:solidFill>
+                  <a:srgbClr val="434F54"/>
+                </a:solidFill>
+                <a:effectLst/>
+                <a:latin typeface="Consolas" panose="020B0609020204030204" pitchFamily="49" charset="0"/>
+              </a:rPr>
+              <a:t>()</a:t>
+            </a:r>
+            <a:r>
+              <a:rPr lang="en-AU" b="0" dirty="0">
+                <a:solidFill>
+                  <a:srgbClr val="4E5B61"/>
+                </a:solidFill>
+                <a:effectLst/>
+                <a:latin typeface="Consolas" panose="020B0609020204030204" pitchFamily="49" charset="0"/>
+              </a:rPr>
+              <a:t> </a:t>
+            </a:r>
+            <a:r>
+              <a:rPr lang="en-AU" b="0" dirty="0">
+                <a:solidFill>
+                  <a:srgbClr val="434F54"/>
+                </a:solidFill>
+                <a:effectLst/>
+                <a:latin typeface="Consolas" panose="020B0609020204030204" pitchFamily="49" charset="0"/>
+              </a:rPr>
+              <a:t>{</a:t>
+            </a:r>
+            <a:endParaRPr lang="en-AU" b="0" dirty="0">
+              <a:solidFill>
+                <a:srgbClr val="4E5B61"/>
+              </a:solidFill>
+              <a:effectLst/>
+              <a:latin typeface="Consolas" panose="020B0609020204030204" pitchFamily="49" charset="0"/>
+            </a:endParaRPr>
+          </a:p>
+          <a:p>
+            <a:r>
+              <a:rPr lang="en-AU" b="0" dirty="0">
+                <a:solidFill>
+                  <a:srgbClr val="95A5A6"/>
+                </a:solidFill>
+                <a:effectLst/>
+                <a:latin typeface="Consolas" panose="020B0609020204030204" pitchFamily="49" charset="0"/>
+              </a:rPr>
+              <a:t>  // Check if there is incoming serial data</a:t>
+            </a:r>
+            <a:endParaRPr lang="en-AU" b="0" dirty="0">
+              <a:solidFill>
+                <a:srgbClr val="4E5B61"/>
+              </a:solidFill>
+              <a:effectLst/>
+              <a:latin typeface="Consolas" panose="020B0609020204030204" pitchFamily="49" charset="0"/>
+            </a:endParaRPr>
+          </a:p>
+          <a:p>
+            <a:r>
+              <a:rPr lang="en-AU" b="0" dirty="0">
+                <a:solidFill>
+                  <a:srgbClr val="4E5B61"/>
+                </a:solidFill>
+                <a:effectLst/>
+                <a:latin typeface="Consolas" panose="020B0609020204030204" pitchFamily="49" charset="0"/>
+              </a:rPr>
+              <a:t>  </a:t>
+            </a:r>
+            <a:r>
+              <a:rPr lang="en-AU" b="0" dirty="0">
+                <a:solidFill>
+                  <a:srgbClr val="728E00"/>
+                </a:solidFill>
+                <a:effectLst/>
+                <a:latin typeface="Consolas" panose="020B0609020204030204" pitchFamily="49" charset="0"/>
+              </a:rPr>
+              <a:t>if</a:t>
+            </a:r>
+            <a:r>
+              <a:rPr lang="en-AU" b="0" dirty="0">
+                <a:solidFill>
+                  <a:srgbClr val="4E5B61"/>
+                </a:solidFill>
+                <a:effectLst/>
+                <a:latin typeface="Consolas" panose="020B0609020204030204" pitchFamily="49" charset="0"/>
+              </a:rPr>
+              <a:t> </a:t>
+            </a:r>
+            <a:r>
+              <a:rPr lang="en-AU" b="0" dirty="0">
+                <a:solidFill>
+                  <a:srgbClr val="434F54"/>
+                </a:solidFill>
+                <a:effectLst/>
+                <a:latin typeface="Consolas" panose="020B0609020204030204" pitchFamily="49" charset="0"/>
+              </a:rPr>
+              <a:t>(</a:t>
+            </a:r>
+            <a:r>
+              <a:rPr lang="en-AU" b="0" dirty="0">
+                <a:solidFill>
+                  <a:srgbClr val="D35400"/>
+                </a:solidFill>
+                <a:effectLst/>
+                <a:latin typeface="Consolas" panose="020B0609020204030204" pitchFamily="49" charset="0"/>
+              </a:rPr>
+              <a:t>Serial1</a:t>
+            </a:r>
+            <a:r>
+              <a:rPr lang="en-AU" b="0" dirty="0">
+                <a:solidFill>
+                  <a:srgbClr val="4E5B61"/>
+                </a:solidFill>
+                <a:effectLst/>
+                <a:latin typeface="Consolas" panose="020B0609020204030204" pitchFamily="49" charset="0"/>
+              </a:rPr>
+              <a:t>.</a:t>
+            </a:r>
+            <a:r>
+              <a:rPr lang="en-AU" b="0" dirty="0">
+                <a:solidFill>
+                  <a:srgbClr val="D35400"/>
+                </a:solidFill>
+                <a:effectLst/>
+                <a:latin typeface="Consolas" panose="020B0609020204030204" pitchFamily="49" charset="0"/>
+              </a:rPr>
+              <a:t>available</a:t>
+            </a:r>
+            <a:r>
+              <a:rPr lang="en-AU" b="0" dirty="0">
+                <a:solidFill>
+                  <a:srgbClr val="434F54"/>
+                </a:solidFill>
+                <a:effectLst/>
+                <a:latin typeface="Consolas" panose="020B0609020204030204" pitchFamily="49" charset="0"/>
+              </a:rPr>
+              <a:t>()</a:t>
+            </a:r>
+            <a:r>
+              <a:rPr lang="en-AU" b="0" dirty="0">
+                <a:solidFill>
+                  <a:srgbClr val="4E5B61"/>
+                </a:solidFill>
+                <a:effectLst/>
+                <a:latin typeface="Consolas" panose="020B0609020204030204" pitchFamily="49" charset="0"/>
+              </a:rPr>
+              <a:t> &gt; </a:t>
+            </a:r>
+            <a:r>
+              <a:rPr lang="en-AU" b="0" dirty="0">
+                <a:solidFill>
+                  <a:srgbClr val="005C5F"/>
+                </a:solidFill>
+                <a:effectLst/>
+                <a:latin typeface="Consolas" panose="020B0609020204030204" pitchFamily="49" charset="0"/>
+              </a:rPr>
+              <a:t>0</a:t>
+            </a:r>
+            <a:r>
+              <a:rPr lang="en-AU" b="0" dirty="0">
+                <a:solidFill>
+                  <a:srgbClr val="434F54"/>
+                </a:solidFill>
+                <a:effectLst/>
+                <a:latin typeface="Consolas" panose="020B0609020204030204" pitchFamily="49" charset="0"/>
+              </a:rPr>
+              <a:t>)</a:t>
+            </a:r>
+            <a:r>
+              <a:rPr lang="en-AU" b="0" dirty="0">
+                <a:solidFill>
+                  <a:srgbClr val="4E5B61"/>
+                </a:solidFill>
+                <a:effectLst/>
+                <a:latin typeface="Consolas" panose="020B0609020204030204" pitchFamily="49" charset="0"/>
+              </a:rPr>
+              <a:t> </a:t>
+            </a:r>
+          </a:p>
+          <a:p>
+            <a:r>
+              <a:rPr lang="en-AU" b="0" dirty="0">
+                <a:solidFill>
+                  <a:srgbClr val="4E5B61"/>
+                </a:solidFill>
+                <a:effectLst/>
+                <a:latin typeface="Consolas" panose="020B0609020204030204" pitchFamily="49" charset="0"/>
+              </a:rPr>
+              <a:t>  </a:t>
+            </a:r>
+            <a:r>
+              <a:rPr lang="en-AU" b="0" dirty="0">
+                <a:solidFill>
+                  <a:srgbClr val="434F54"/>
+                </a:solidFill>
+                <a:effectLst/>
+                <a:latin typeface="Consolas" panose="020B0609020204030204" pitchFamily="49" charset="0"/>
+              </a:rPr>
+              <a:t>{</a:t>
+            </a:r>
+            <a:endParaRPr lang="en-AU" b="0" dirty="0">
+              <a:solidFill>
+                <a:srgbClr val="4E5B61"/>
+              </a:solidFill>
+              <a:effectLst/>
+              <a:latin typeface="Consolas" panose="020B0609020204030204" pitchFamily="49" charset="0"/>
+            </a:endParaRPr>
+          </a:p>
+          <a:p>
+            <a:r>
+              <a:rPr lang="en-AU" b="0" dirty="0">
+                <a:solidFill>
+                  <a:srgbClr val="4E5B61"/>
+                </a:solidFill>
+                <a:effectLst/>
+                <a:latin typeface="Consolas" panose="020B0609020204030204" pitchFamily="49" charset="0"/>
+              </a:rPr>
+              <a:t>    String str = </a:t>
+            </a:r>
+            <a:r>
+              <a:rPr lang="en-AU" b="0" dirty="0">
+                <a:solidFill>
+                  <a:srgbClr val="D35400"/>
+                </a:solidFill>
+                <a:effectLst/>
+                <a:latin typeface="Consolas" panose="020B0609020204030204" pitchFamily="49" charset="0"/>
+              </a:rPr>
+              <a:t>Serial1</a:t>
+            </a:r>
+            <a:r>
+              <a:rPr lang="en-AU" b="0" dirty="0">
+                <a:solidFill>
+                  <a:srgbClr val="4E5B61"/>
+                </a:solidFill>
+                <a:effectLst/>
+                <a:latin typeface="Consolas" panose="020B0609020204030204" pitchFamily="49" charset="0"/>
+              </a:rPr>
+              <a:t>.</a:t>
+            </a:r>
+            <a:r>
+              <a:rPr lang="en-AU" b="0" dirty="0">
+                <a:solidFill>
+                  <a:srgbClr val="D35400"/>
+                </a:solidFill>
+                <a:effectLst/>
+                <a:latin typeface="Consolas" panose="020B0609020204030204" pitchFamily="49" charset="0"/>
+              </a:rPr>
+              <a:t>readString</a:t>
+            </a:r>
+            <a:r>
+              <a:rPr lang="en-AU" b="0" dirty="0">
+                <a:solidFill>
+                  <a:srgbClr val="434F54"/>
+                </a:solidFill>
+                <a:effectLst/>
+                <a:latin typeface="Consolas" panose="020B0609020204030204" pitchFamily="49" charset="0"/>
+              </a:rPr>
+              <a:t>()</a:t>
+            </a:r>
+            <a:r>
+              <a:rPr lang="en-AU" b="0" dirty="0">
+                <a:solidFill>
+                  <a:srgbClr val="4E5B61"/>
+                </a:solidFill>
+                <a:effectLst/>
+                <a:latin typeface="Consolas" panose="020B0609020204030204" pitchFamily="49" charset="0"/>
+              </a:rPr>
+              <a:t>.</a:t>
+            </a:r>
+            <a:r>
+              <a:rPr lang="en-AU" b="0" dirty="0">
+                <a:solidFill>
+                  <a:srgbClr val="D35400"/>
+                </a:solidFill>
+                <a:effectLst/>
+                <a:latin typeface="Consolas" panose="020B0609020204030204" pitchFamily="49" charset="0"/>
+              </a:rPr>
+              <a:t>substring</a:t>
+            </a:r>
+            <a:r>
+              <a:rPr lang="en-AU" b="0" dirty="0">
+                <a:solidFill>
+                  <a:srgbClr val="434F54"/>
+                </a:solidFill>
+                <a:effectLst/>
+                <a:latin typeface="Consolas" panose="020B0609020204030204" pitchFamily="49" charset="0"/>
+              </a:rPr>
+              <a:t>(</a:t>
+            </a:r>
+            <a:r>
+              <a:rPr lang="en-AU" b="0" dirty="0">
+                <a:solidFill>
+                  <a:srgbClr val="005C5F"/>
+                </a:solidFill>
+                <a:effectLst/>
+                <a:latin typeface="Consolas" panose="020B0609020204030204" pitchFamily="49" charset="0"/>
+              </a:rPr>
+              <a:t>0</a:t>
+            </a:r>
+            <a:r>
+              <a:rPr lang="en-AU" b="0" dirty="0">
+                <a:solidFill>
+                  <a:srgbClr val="434F54"/>
+                </a:solidFill>
+                <a:effectLst/>
+                <a:latin typeface="Consolas" panose="020B0609020204030204" pitchFamily="49" charset="0"/>
+              </a:rPr>
+              <a:t>)</a:t>
+            </a:r>
+            <a:r>
+              <a:rPr lang="en-AU" b="0" dirty="0">
+                <a:solidFill>
+                  <a:srgbClr val="4E5B61"/>
+                </a:solidFill>
+                <a:effectLst/>
+                <a:latin typeface="Consolas" panose="020B0609020204030204" pitchFamily="49" charset="0"/>
+              </a:rPr>
+              <a:t>;</a:t>
+            </a:r>
+            <a:r>
+              <a:rPr lang="en-AU" b="0" dirty="0">
+                <a:solidFill>
+                  <a:srgbClr val="95A5A6"/>
+                </a:solidFill>
+                <a:effectLst/>
+                <a:latin typeface="Consolas" panose="020B0609020204030204" pitchFamily="49" charset="0"/>
+              </a:rPr>
+              <a:t> // Read the incoming data as a String</a:t>
+            </a:r>
+            <a:endParaRPr lang="en-AU" b="0" dirty="0">
+              <a:solidFill>
+                <a:srgbClr val="4E5B61"/>
+              </a:solidFill>
+              <a:effectLst/>
+              <a:latin typeface="Consolas" panose="020B0609020204030204" pitchFamily="49" charset="0"/>
+            </a:endParaRPr>
+          </a:p>
+          <a:p>
+            <a:br>
+              <a:rPr lang="en-AU" b="0" dirty="0">
+                <a:solidFill>
+                  <a:srgbClr val="4E5B61"/>
+                </a:solidFill>
+                <a:effectLst/>
+                <a:latin typeface="Consolas" panose="020B0609020204030204" pitchFamily="49" charset="0"/>
+              </a:rPr>
+            </a:br>
+            <a:r>
+              <a:rPr lang="en-AU" b="0" dirty="0">
+                <a:solidFill>
+                  <a:srgbClr val="95A5A6"/>
+                </a:solidFill>
+                <a:effectLst/>
+                <a:latin typeface="Consolas" panose="020B0609020204030204" pitchFamily="49" charset="0"/>
+              </a:rPr>
+              <a:t>    // Print received data for debugging</a:t>
+            </a:r>
+            <a:endParaRPr lang="en-AU" b="0" dirty="0">
+              <a:solidFill>
+                <a:srgbClr val="4E5B61"/>
+              </a:solidFill>
+              <a:effectLst/>
+              <a:latin typeface="Consolas" panose="020B0609020204030204" pitchFamily="49" charset="0"/>
+            </a:endParaRPr>
+          </a:p>
+          <a:p>
+            <a:r>
+              <a:rPr lang="en-AU" b="0" dirty="0">
+                <a:solidFill>
+                  <a:srgbClr val="4E5B61"/>
+                </a:solidFill>
+                <a:effectLst/>
+                <a:latin typeface="Consolas" panose="020B0609020204030204" pitchFamily="49" charset="0"/>
+              </a:rPr>
+              <a:t>    </a:t>
+            </a:r>
+            <a:r>
+              <a:rPr lang="en-AU" b="0" dirty="0" err="1">
+                <a:solidFill>
+                  <a:srgbClr val="D35400"/>
+                </a:solidFill>
+                <a:effectLst/>
+                <a:latin typeface="Consolas" panose="020B0609020204030204" pitchFamily="49" charset="0"/>
+              </a:rPr>
+              <a:t>Serial</a:t>
+            </a:r>
+            <a:r>
+              <a:rPr lang="en-AU" b="0" dirty="0" err="1">
+                <a:solidFill>
+                  <a:srgbClr val="4E5B61"/>
+                </a:solidFill>
+                <a:effectLst/>
+                <a:latin typeface="Consolas" panose="020B0609020204030204" pitchFamily="49" charset="0"/>
+              </a:rPr>
+              <a:t>.</a:t>
+            </a:r>
+            <a:r>
+              <a:rPr lang="en-AU" b="0" dirty="0" err="1">
+                <a:solidFill>
+                  <a:srgbClr val="D35400"/>
+                </a:solidFill>
+                <a:effectLst/>
+                <a:latin typeface="Consolas" panose="020B0609020204030204" pitchFamily="49" charset="0"/>
+              </a:rPr>
+              <a:t>println</a:t>
+            </a:r>
+            <a:r>
+              <a:rPr lang="en-AU" b="0" dirty="0">
+                <a:solidFill>
+                  <a:srgbClr val="434F54"/>
+                </a:solidFill>
+                <a:effectLst/>
+                <a:latin typeface="Consolas" panose="020B0609020204030204" pitchFamily="49" charset="0"/>
+              </a:rPr>
+              <a:t>(</a:t>
+            </a:r>
+            <a:r>
+              <a:rPr lang="en-AU" b="0" dirty="0">
+                <a:solidFill>
+                  <a:srgbClr val="005C5F"/>
+                </a:solidFill>
+                <a:effectLst/>
+                <a:latin typeface="Consolas" panose="020B0609020204030204" pitchFamily="49" charset="0"/>
+              </a:rPr>
+              <a:t>"Received data: "</a:t>
+            </a:r>
+            <a:r>
+              <a:rPr lang="en-AU" b="0" dirty="0">
+                <a:solidFill>
+                  <a:srgbClr val="4E5B61"/>
+                </a:solidFill>
+                <a:effectLst/>
+                <a:latin typeface="Consolas" panose="020B0609020204030204" pitchFamily="49" charset="0"/>
+              </a:rPr>
+              <a:t> + str</a:t>
+            </a:r>
+            <a:r>
+              <a:rPr lang="en-AU" b="0" dirty="0">
+                <a:solidFill>
+                  <a:srgbClr val="434F54"/>
+                </a:solidFill>
+                <a:effectLst/>
+                <a:latin typeface="Consolas" panose="020B0609020204030204" pitchFamily="49" charset="0"/>
+              </a:rPr>
+              <a:t>)</a:t>
+            </a:r>
+            <a:r>
+              <a:rPr lang="en-AU" b="0" dirty="0">
+                <a:solidFill>
+                  <a:srgbClr val="4E5B61"/>
+                </a:solidFill>
+                <a:effectLst/>
+                <a:latin typeface="Consolas" panose="020B0609020204030204" pitchFamily="49" charset="0"/>
+              </a:rPr>
+              <a:t>;</a:t>
+            </a:r>
+          </a:p>
+          <a:p>
+            <a:r>
+              <a:rPr lang="en-AU" b="0" dirty="0">
+                <a:solidFill>
+                  <a:srgbClr val="4E5B61"/>
+                </a:solidFill>
+                <a:effectLst/>
+                <a:latin typeface="Consolas" panose="020B0609020204030204" pitchFamily="49" charset="0"/>
+              </a:rPr>
+              <a:t>    </a:t>
+            </a:r>
+          </a:p>
+          <a:p>
+            <a:r>
+              <a:rPr lang="en-AU" b="0" dirty="0">
+                <a:solidFill>
+                  <a:srgbClr val="95A5A6"/>
+                </a:solidFill>
+                <a:effectLst/>
+                <a:latin typeface="Consolas" panose="020B0609020204030204" pitchFamily="49" charset="0"/>
+              </a:rPr>
+              <a:t>    // Check if the received data contains "warning" (case-insensitive)</a:t>
+            </a:r>
+            <a:endParaRPr lang="en-AU" b="0" dirty="0">
+              <a:solidFill>
+                <a:srgbClr val="4E5B61"/>
+              </a:solidFill>
+              <a:effectLst/>
+              <a:latin typeface="Consolas" panose="020B0609020204030204" pitchFamily="49" charset="0"/>
+            </a:endParaRPr>
+          </a:p>
+          <a:p>
+            <a:r>
+              <a:rPr lang="en-AU" b="0" dirty="0">
+                <a:solidFill>
+                  <a:srgbClr val="4E5B61"/>
+                </a:solidFill>
+                <a:effectLst/>
+                <a:latin typeface="Consolas" panose="020B0609020204030204" pitchFamily="49" charset="0"/>
+              </a:rPr>
+              <a:t>    </a:t>
+            </a:r>
+            <a:r>
+              <a:rPr lang="en-AU" b="0" dirty="0">
+                <a:solidFill>
+                  <a:srgbClr val="728E00"/>
+                </a:solidFill>
+                <a:effectLst/>
+                <a:latin typeface="Consolas" panose="020B0609020204030204" pitchFamily="49" charset="0"/>
+              </a:rPr>
+              <a:t>if</a:t>
+            </a:r>
+            <a:r>
+              <a:rPr lang="en-AU" b="0" dirty="0">
+                <a:solidFill>
+                  <a:srgbClr val="4E5B61"/>
+                </a:solidFill>
+                <a:effectLst/>
+                <a:latin typeface="Consolas" panose="020B0609020204030204" pitchFamily="49" charset="0"/>
+              </a:rPr>
+              <a:t> </a:t>
+            </a:r>
+            <a:r>
+              <a:rPr lang="en-AU" b="0" dirty="0">
+                <a:solidFill>
+                  <a:srgbClr val="434F54"/>
+                </a:solidFill>
+                <a:effectLst/>
+                <a:latin typeface="Consolas" panose="020B0609020204030204" pitchFamily="49" charset="0"/>
+              </a:rPr>
+              <a:t>(</a:t>
+            </a:r>
+            <a:r>
+              <a:rPr lang="en-AU" b="0" dirty="0" err="1">
+                <a:solidFill>
+                  <a:srgbClr val="D35400"/>
+                </a:solidFill>
+                <a:effectLst/>
+                <a:latin typeface="Consolas" panose="020B0609020204030204" pitchFamily="49" charset="0"/>
+              </a:rPr>
+              <a:t>str</a:t>
+            </a:r>
+            <a:r>
+              <a:rPr lang="en-AU" b="0" dirty="0" err="1">
+                <a:solidFill>
+                  <a:srgbClr val="4E5B61"/>
+                </a:solidFill>
+                <a:effectLst/>
+                <a:latin typeface="Consolas" panose="020B0609020204030204" pitchFamily="49" charset="0"/>
+              </a:rPr>
+              <a:t>.</a:t>
+            </a:r>
+            <a:r>
+              <a:rPr lang="en-AU" b="0" dirty="0" err="1">
+                <a:solidFill>
+                  <a:srgbClr val="D35400"/>
+                </a:solidFill>
+                <a:effectLst/>
+                <a:latin typeface="Consolas" panose="020B0609020204030204" pitchFamily="49" charset="0"/>
+              </a:rPr>
+              <a:t>indexOf</a:t>
+            </a:r>
+            <a:r>
+              <a:rPr lang="en-AU" b="0" dirty="0">
+                <a:solidFill>
+                  <a:srgbClr val="434F54"/>
+                </a:solidFill>
+                <a:effectLst/>
+                <a:latin typeface="Consolas" panose="020B0609020204030204" pitchFamily="49" charset="0"/>
+              </a:rPr>
+              <a:t>(</a:t>
+            </a:r>
+            <a:r>
+              <a:rPr lang="en-AU" b="0" dirty="0">
+                <a:solidFill>
+                  <a:srgbClr val="005C5F"/>
+                </a:solidFill>
+                <a:effectLst/>
+                <a:latin typeface="Consolas" panose="020B0609020204030204" pitchFamily="49" charset="0"/>
+              </a:rPr>
+              <a:t>"Warning"</a:t>
+            </a:r>
+            <a:r>
+              <a:rPr lang="en-AU" b="0" dirty="0">
+                <a:solidFill>
+                  <a:srgbClr val="434F54"/>
+                </a:solidFill>
+                <a:effectLst/>
+                <a:latin typeface="Consolas" panose="020B0609020204030204" pitchFamily="49" charset="0"/>
+              </a:rPr>
+              <a:t>)</a:t>
+            </a:r>
+            <a:r>
+              <a:rPr lang="en-AU" b="0" dirty="0">
+                <a:solidFill>
+                  <a:srgbClr val="4E5B61"/>
+                </a:solidFill>
+                <a:effectLst/>
+                <a:latin typeface="Consolas" panose="020B0609020204030204" pitchFamily="49" charset="0"/>
+              </a:rPr>
+              <a:t> != -</a:t>
+            </a:r>
+            <a:r>
+              <a:rPr lang="en-AU" b="0" dirty="0">
+                <a:solidFill>
+                  <a:srgbClr val="005C5F"/>
+                </a:solidFill>
+                <a:effectLst/>
+                <a:latin typeface="Consolas" panose="020B0609020204030204" pitchFamily="49" charset="0"/>
+              </a:rPr>
+              <a:t>1</a:t>
+            </a:r>
+            <a:r>
+              <a:rPr lang="en-AU" b="0" dirty="0">
+                <a:solidFill>
+                  <a:srgbClr val="434F54"/>
+                </a:solidFill>
+                <a:effectLst/>
+                <a:latin typeface="Consolas" panose="020B0609020204030204" pitchFamily="49" charset="0"/>
+              </a:rPr>
+              <a:t>)</a:t>
+            </a:r>
+            <a:r>
+              <a:rPr lang="en-AU" b="0" dirty="0">
+                <a:solidFill>
+                  <a:srgbClr val="4E5B61"/>
+                </a:solidFill>
+                <a:effectLst/>
+                <a:latin typeface="Consolas" panose="020B0609020204030204" pitchFamily="49" charset="0"/>
+              </a:rPr>
+              <a:t> </a:t>
+            </a:r>
+          </a:p>
+          <a:p>
+            <a:r>
+              <a:rPr lang="en-AU" b="0" dirty="0">
+                <a:solidFill>
+                  <a:srgbClr val="4E5B61"/>
+                </a:solidFill>
+                <a:effectLst/>
+                <a:latin typeface="Consolas" panose="020B0609020204030204" pitchFamily="49" charset="0"/>
+              </a:rPr>
+              <a:t>    </a:t>
+            </a:r>
+            <a:r>
+              <a:rPr lang="en-AU" b="0" dirty="0">
+                <a:solidFill>
+                  <a:srgbClr val="434F54"/>
+                </a:solidFill>
+                <a:effectLst/>
+                <a:latin typeface="Consolas" panose="020B0609020204030204" pitchFamily="49" charset="0"/>
+              </a:rPr>
+              <a:t>{</a:t>
+            </a:r>
+            <a:endParaRPr lang="en-AU" b="0" dirty="0">
+              <a:solidFill>
+                <a:srgbClr val="4E5B61"/>
+              </a:solidFill>
+              <a:effectLst/>
+              <a:latin typeface="Consolas" panose="020B0609020204030204" pitchFamily="49" charset="0"/>
+            </a:endParaRPr>
+          </a:p>
+          <a:p>
+            <a:r>
+              <a:rPr lang="en-AU" b="0" dirty="0">
+                <a:solidFill>
+                  <a:srgbClr val="95A5A6"/>
+                </a:solidFill>
+                <a:effectLst/>
+                <a:latin typeface="Consolas" panose="020B0609020204030204" pitchFamily="49" charset="0"/>
+              </a:rPr>
+              <a:t>      // Turn on the LED</a:t>
+            </a:r>
+            <a:endParaRPr lang="en-AU" b="0" dirty="0">
+              <a:solidFill>
+                <a:srgbClr val="4E5B61"/>
+              </a:solidFill>
+              <a:effectLst/>
+              <a:latin typeface="Consolas" panose="020B0609020204030204" pitchFamily="49" charset="0"/>
+            </a:endParaRPr>
+          </a:p>
+          <a:p>
+            <a:r>
+              <a:rPr lang="en-AU" b="0" dirty="0">
+                <a:solidFill>
+                  <a:srgbClr val="4E5B61"/>
+                </a:solidFill>
+                <a:effectLst/>
+                <a:latin typeface="Consolas" panose="020B0609020204030204" pitchFamily="49" charset="0"/>
+              </a:rPr>
+              <a:t>      </a:t>
+            </a:r>
+            <a:r>
+              <a:rPr lang="en-AU" b="0" dirty="0" err="1">
+                <a:solidFill>
+                  <a:srgbClr val="D35400"/>
+                </a:solidFill>
+                <a:effectLst/>
+                <a:latin typeface="Consolas" panose="020B0609020204030204" pitchFamily="49" charset="0"/>
+              </a:rPr>
+              <a:t>digitalWrite</a:t>
+            </a:r>
+            <a:r>
+              <a:rPr lang="en-AU" b="0" dirty="0">
+                <a:solidFill>
+                  <a:srgbClr val="434F54"/>
+                </a:solidFill>
+                <a:effectLst/>
+                <a:latin typeface="Consolas" panose="020B0609020204030204" pitchFamily="49" charset="0"/>
+              </a:rPr>
+              <a:t>(</a:t>
+            </a:r>
+            <a:r>
+              <a:rPr lang="en-AU" b="0" dirty="0">
+                <a:solidFill>
+                  <a:srgbClr val="4E5B61"/>
+                </a:solidFill>
+                <a:effectLst/>
+                <a:latin typeface="Consolas" panose="020B0609020204030204" pitchFamily="49" charset="0"/>
+              </a:rPr>
+              <a:t>led1, HIGH</a:t>
+            </a:r>
+            <a:r>
+              <a:rPr lang="en-AU" b="0" dirty="0">
+                <a:solidFill>
+                  <a:srgbClr val="434F54"/>
+                </a:solidFill>
+                <a:effectLst/>
+                <a:latin typeface="Consolas" panose="020B0609020204030204" pitchFamily="49" charset="0"/>
+              </a:rPr>
+              <a:t>)</a:t>
+            </a:r>
+            <a:r>
+              <a:rPr lang="en-AU" b="0" dirty="0">
+                <a:solidFill>
+                  <a:srgbClr val="4E5B61"/>
+                </a:solidFill>
+                <a:effectLst/>
+                <a:latin typeface="Consolas" panose="020B0609020204030204" pitchFamily="49" charset="0"/>
+              </a:rPr>
+              <a:t>;</a:t>
+            </a:r>
+          </a:p>
+          <a:p>
+            <a:r>
+              <a:rPr lang="en-AU" b="0" dirty="0">
+                <a:solidFill>
+                  <a:srgbClr val="4E5B61"/>
+                </a:solidFill>
+                <a:effectLst/>
+                <a:latin typeface="Consolas" panose="020B0609020204030204" pitchFamily="49" charset="0"/>
+              </a:rPr>
+              <a:t>      </a:t>
+            </a:r>
+            <a:r>
+              <a:rPr lang="en-AU" b="0" dirty="0" err="1">
+                <a:solidFill>
+                  <a:srgbClr val="D35400"/>
+                </a:solidFill>
+                <a:effectLst/>
+                <a:latin typeface="Consolas" panose="020B0609020204030204" pitchFamily="49" charset="0"/>
+              </a:rPr>
+              <a:t>Serial</a:t>
+            </a:r>
+            <a:r>
+              <a:rPr lang="en-AU" b="0" dirty="0" err="1">
+                <a:solidFill>
+                  <a:srgbClr val="4E5B61"/>
+                </a:solidFill>
+                <a:effectLst/>
+                <a:latin typeface="Consolas" panose="020B0609020204030204" pitchFamily="49" charset="0"/>
+              </a:rPr>
+              <a:t>.</a:t>
+            </a:r>
+            <a:r>
+              <a:rPr lang="en-AU" b="0" dirty="0" err="1">
+                <a:solidFill>
+                  <a:srgbClr val="D35400"/>
+                </a:solidFill>
+                <a:effectLst/>
+                <a:latin typeface="Consolas" panose="020B0609020204030204" pitchFamily="49" charset="0"/>
+              </a:rPr>
+              <a:t>println</a:t>
+            </a:r>
+            <a:r>
+              <a:rPr lang="en-AU" b="0" dirty="0">
+                <a:solidFill>
+                  <a:srgbClr val="434F54"/>
+                </a:solidFill>
+                <a:effectLst/>
+                <a:latin typeface="Consolas" panose="020B0609020204030204" pitchFamily="49" charset="0"/>
+              </a:rPr>
+              <a:t>(</a:t>
+            </a:r>
+            <a:r>
+              <a:rPr lang="en-AU" b="0" dirty="0">
+                <a:solidFill>
+                  <a:srgbClr val="005C5F"/>
+                </a:solidFill>
+                <a:effectLst/>
+                <a:latin typeface="Consolas" panose="020B0609020204030204" pitchFamily="49" charset="0"/>
+              </a:rPr>
+              <a:t>"Warning"</a:t>
+            </a:r>
+            <a:r>
+              <a:rPr lang="en-AU" b="0" dirty="0">
+                <a:solidFill>
+                  <a:srgbClr val="434F54"/>
+                </a:solidFill>
+                <a:effectLst/>
+                <a:latin typeface="Consolas" panose="020B0609020204030204" pitchFamily="49" charset="0"/>
+              </a:rPr>
+              <a:t>)</a:t>
+            </a:r>
+            <a:r>
+              <a:rPr lang="en-AU" b="0" dirty="0">
+                <a:solidFill>
+                  <a:srgbClr val="4E5B61"/>
+                </a:solidFill>
+                <a:effectLst/>
+                <a:latin typeface="Consolas" panose="020B0609020204030204" pitchFamily="49" charset="0"/>
+              </a:rPr>
+              <a:t>;</a:t>
+            </a:r>
+          </a:p>
+          <a:p>
+            <a:r>
+              <a:rPr lang="en-AU" b="0" dirty="0">
+                <a:solidFill>
+                  <a:srgbClr val="4E5B61"/>
+                </a:solidFill>
+                <a:effectLst/>
+                <a:latin typeface="Consolas" panose="020B0609020204030204" pitchFamily="49" charset="0"/>
+              </a:rPr>
+              <a:t>      </a:t>
+            </a:r>
+            <a:r>
+              <a:rPr lang="en-AU" b="0" dirty="0">
+                <a:solidFill>
+                  <a:srgbClr val="D35400"/>
+                </a:solidFill>
+                <a:effectLst/>
+                <a:latin typeface="Consolas" panose="020B0609020204030204" pitchFamily="49" charset="0"/>
+              </a:rPr>
+              <a:t>tone</a:t>
+            </a:r>
+            <a:r>
+              <a:rPr lang="en-AU" b="0" dirty="0">
+                <a:solidFill>
+                  <a:srgbClr val="434F54"/>
+                </a:solidFill>
+                <a:effectLst/>
+                <a:latin typeface="Consolas" panose="020B0609020204030204" pitchFamily="49" charset="0"/>
+              </a:rPr>
+              <a:t>(</a:t>
+            </a:r>
+            <a:r>
+              <a:rPr lang="en-AU" b="0" dirty="0">
+                <a:solidFill>
+                  <a:srgbClr val="4E5B61"/>
+                </a:solidFill>
+                <a:effectLst/>
+                <a:latin typeface="Consolas" panose="020B0609020204030204" pitchFamily="49" charset="0"/>
+              </a:rPr>
+              <a:t>buzzer, </a:t>
+            </a:r>
+            <a:r>
+              <a:rPr lang="en-AU" b="0" dirty="0">
+                <a:solidFill>
+                  <a:srgbClr val="005C5F"/>
+                </a:solidFill>
+                <a:effectLst/>
+                <a:latin typeface="Consolas" panose="020B0609020204030204" pitchFamily="49" charset="0"/>
+              </a:rPr>
+              <a:t>100</a:t>
+            </a:r>
+            <a:r>
+              <a:rPr lang="en-AU" b="0" dirty="0">
+                <a:solidFill>
+                  <a:srgbClr val="434F54"/>
+                </a:solidFill>
+                <a:effectLst/>
+                <a:latin typeface="Consolas" panose="020B0609020204030204" pitchFamily="49" charset="0"/>
+              </a:rPr>
+              <a:t>)</a:t>
+            </a:r>
+            <a:r>
+              <a:rPr lang="en-AU" b="0" dirty="0">
+                <a:solidFill>
+                  <a:srgbClr val="4E5B61"/>
+                </a:solidFill>
+                <a:effectLst/>
+                <a:latin typeface="Consolas" panose="020B0609020204030204" pitchFamily="49" charset="0"/>
+              </a:rPr>
+              <a:t>;</a:t>
+            </a:r>
+          </a:p>
+          <a:p>
+            <a:r>
+              <a:rPr lang="en-AU" b="0" dirty="0">
+                <a:solidFill>
+                  <a:srgbClr val="4E5B61"/>
+                </a:solidFill>
+                <a:effectLst/>
+                <a:latin typeface="Consolas" panose="020B0609020204030204" pitchFamily="49" charset="0"/>
+              </a:rPr>
+              <a:t>      </a:t>
+            </a:r>
+            <a:r>
+              <a:rPr lang="en-AU" b="0" dirty="0">
+                <a:solidFill>
+                  <a:srgbClr val="D35400"/>
+                </a:solidFill>
+                <a:effectLst/>
+                <a:latin typeface="Consolas" panose="020B0609020204030204" pitchFamily="49" charset="0"/>
+              </a:rPr>
+              <a:t>delay</a:t>
+            </a:r>
+            <a:r>
+              <a:rPr lang="en-AU" b="0" dirty="0">
+                <a:solidFill>
+                  <a:srgbClr val="434F54"/>
+                </a:solidFill>
+                <a:effectLst/>
+                <a:latin typeface="Consolas" panose="020B0609020204030204" pitchFamily="49" charset="0"/>
+              </a:rPr>
+              <a:t>(</a:t>
+            </a:r>
+            <a:r>
+              <a:rPr lang="en-AU" b="0" dirty="0">
+                <a:solidFill>
+                  <a:srgbClr val="005C5F"/>
+                </a:solidFill>
+                <a:effectLst/>
+                <a:latin typeface="Consolas" panose="020B0609020204030204" pitchFamily="49" charset="0"/>
+              </a:rPr>
+              <a:t>1000</a:t>
+            </a:r>
+            <a:r>
+              <a:rPr lang="en-AU" b="0" dirty="0">
+                <a:solidFill>
+                  <a:srgbClr val="434F54"/>
+                </a:solidFill>
+                <a:effectLst/>
+                <a:latin typeface="Consolas" panose="020B0609020204030204" pitchFamily="49" charset="0"/>
+              </a:rPr>
+              <a:t>)</a:t>
+            </a:r>
+            <a:r>
+              <a:rPr lang="en-AU" b="0" dirty="0">
+                <a:solidFill>
+                  <a:srgbClr val="4E5B61"/>
+                </a:solidFill>
+                <a:effectLst/>
+                <a:latin typeface="Consolas" panose="020B0609020204030204" pitchFamily="49" charset="0"/>
+              </a:rPr>
+              <a:t>;</a:t>
+            </a:r>
+            <a:r>
+              <a:rPr lang="en-AU" b="0" dirty="0">
+                <a:solidFill>
+                  <a:srgbClr val="95A5A6"/>
+                </a:solidFill>
+                <a:effectLst/>
+                <a:latin typeface="Consolas" panose="020B0609020204030204" pitchFamily="49" charset="0"/>
+              </a:rPr>
+              <a:t> // Keep the LED on for 1 second</a:t>
+            </a:r>
+            <a:endParaRPr lang="en-AU" b="0" dirty="0">
+              <a:solidFill>
+                <a:srgbClr val="4E5B61"/>
+              </a:solidFill>
+              <a:effectLst/>
+              <a:latin typeface="Consolas" panose="020B0609020204030204" pitchFamily="49" charset="0"/>
+            </a:endParaRPr>
+          </a:p>
+          <a:p>
+            <a:r>
+              <a:rPr lang="en-AU" b="0" dirty="0">
+                <a:solidFill>
+                  <a:srgbClr val="4E5B61"/>
+                </a:solidFill>
+                <a:effectLst/>
+                <a:latin typeface="Consolas" panose="020B0609020204030204" pitchFamily="49" charset="0"/>
+              </a:rPr>
+              <a:t>      </a:t>
+            </a:r>
+            <a:r>
+              <a:rPr lang="en-AU" b="0" dirty="0" err="1">
+                <a:solidFill>
+                  <a:srgbClr val="D35400"/>
+                </a:solidFill>
+                <a:effectLst/>
+                <a:latin typeface="Consolas" panose="020B0609020204030204" pitchFamily="49" charset="0"/>
+              </a:rPr>
+              <a:t>noTone</a:t>
+            </a:r>
+            <a:r>
+              <a:rPr lang="en-AU" b="0" dirty="0">
+                <a:solidFill>
+                  <a:srgbClr val="434F54"/>
+                </a:solidFill>
+                <a:effectLst/>
+                <a:latin typeface="Consolas" panose="020B0609020204030204" pitchFamily="49" charset="0"/>
+              </a:rPr>
+              <a:t>(</a:t>
+            </a:r>
+            <a:r>
+              <a:rPr lang="en-AU" b="0" dirty="0">
+                <a:solidFill>
+                  <a:srgbClr val="4E5B61"/>
+                </a:solidFill>
+                <a:effectLst/>
+                <a:latin typeface="Consolas" panose="020B0609020204030204" pitchFamily="49" charset="0"/>
+              </a:rPr>
+              <a:t>buzzer</a:t>
+            </a:r>
+            <a:r>
+              <a:rPr lang="en-AU" b="0" dirty="0">
+                <a:solidFill>
+                  <a:srgbClr val="434F54"/>
+                </a:solidFill>
+                <a:effectLst/>
+                <a:latin typeface="Consolas" panose="020B0609020204030204" pitchFamily="49" charset="0"/>
+              </a:rPr>
+              <a:t>)</a:t>
+            </a:r>
+            <a:r>
+              <a:rPr lang="en-AU" b="0" dirty="0">
+                <a:solidFill>
+                  <a:srgbClr val="4E5B61"/>
+                </a:solidFill>
+                <a:effectLst/>
+                <a:latin typeface="Consolas" panose="020B0609020204030204" pitchFamily="49" charset="0"/>
+              </a:rPr>
+              <a:t>;</a:t>
+            </a:r>
+          </a:p>
+          <a:p>
+            <a:r>
+              <a:rPr lang="en-AU" b="0" dirty="0">
+                <a:solidFill>
+                  <a:srgbClr val="4E5B61"/>
+                </a:solidFill>
+                <a:effectLst/>
+                <a:latin typeface="Consolas" panose="020B0609020204030204" pitchFamily="49" charset="0"/>
+              </a:rPr>
+              <a:t>      </a:t>
+            </a:r>
+            <a:r>
+              <a:rPr lang="en-AU" b="0" dirty="0" err="1">
+                <a:solidFill>
+                  <a:srgbClr val="D35400"/>
+                </a:solidFill>
+                <a:effectLst/>
+                <a:latin typeface="Consolas" panose="020B0609020204030204" pitchFamily="49" charset="0"/>
+              </a:rPr>
+              <a:t>digitalWrite</a:t>
+            </a:r>
+            <a:r>
+              <a:rPr lang="en-AU" b="0" dirty="0">
+                <a:solidFill>
+                  <a:srgbClr val="434F54"/>
+                </a:solidFill>
+                <a:effectLst/>
+                <a:latin typeface="Consolas" panose="020B0609020204030204" pitchFamily="49" charset="0"/>
+              </a:rPr>
+              <a:t>(</a:t>
+            </a:r>
+            <a:r>
+              <a:rPr lang="en-AU" b="0" dirty="0">
+                <a:solidFill>
+                  <a:srgbClr val="4E5B61"/>
+                </a:solidFill>
+                <a:effectLst/>
+                <a:latin typeface="Consolas" panose="020B0609020204030204" pitchFamily="49" charset="0"/>
+              </a:rPr>
+              <a:t>led1, LOW</a:t>
+            </a:r>
+            <a:r>
+              <a:rPr lang="en-AU" b="0" dirty="0">
+                <a:solidFill>
+                  <a:srgbClr val="434F54"/>
+                </a:solidFill>
+                <a:effectLst/>
+                <a:latin typeface="Consolas" panose="020B0609020204030204" pitchFamily="49" charset="0"/>
+              </a:rPr>
+              <a:t>)</a:t>
+            </a:r>
+            <a:r>
+              <a:rPr lang="en-AU" b="0" dirty="0">
+                <a:solidFill>
+                  <a:srgbClr val="4E5B61"/>
+                </a:solidFill>
+                <a:effectLst/>
+                <a:latin typeface="Consolas" panose="020B0609020204030204" pitchFamily="49" charset="0"/>
+              </a:rPr>
+              <a:t>;</a:t>
+            </a:r>
+            <a:r>
+              <a:rPr lang="en-AU" b="0" dirty="0">
+                <a:solidFill>
+                  <a:srgbClr val="95A5A6"/>
+                </a:solidFill>
+                <a:effectLst/>
+                <a:latin typeface="Consolas" panose="020B0609020204030204" pitchFamily="49" charset="0"/>
+              </a:rPr>
+              <a:t> // Turn off the LED</a:t>
+            </a:r>
+            <a:endParaRPr lang="en-AU" b="0" dirty="0">
+              <a:solidFill>
+                <a:srgbClr val="4E5B61"/>
+              </a:solidFill>
+              <a:effectLst/>
+              <a:latin typeface="Consolas" panose="020B0609020204030204" pitchFamily="49" charset="0"/>
+            </a:endParaRPr>
+          </a:p>
+          <a:p>
+            <a:r>
+              <a:rPr lang="en-AU" b="0" dirty="0">
+                <a:solidFill>
+                  <a:srgbClr val="4E5B61"/>
+                </a:solidFill>
+                <a:effectLst/>
+                <a:latin typeface="Consolas" panose="020B0609020204030204" pitchFamily="49" charset="0"/>
+              </a:rPr>
+              <a:t>    </a:t>
+            </a:r>
+            <a:r>
+              <a:rPr lang="en-AU" b="0" dirty="0">
+                <a:solidFill>
+                  <a:srgbClr val="434F54"/>
+                </a:solidFill>
+                <a:effectLst/>
+                <a:latin typeface="Consolas" panose="020B0609020204030204" pitchFamily="49" charset="0"/>
+              </a:rPr>
+              <a:t>}</a:t>
+            </a:r>
+            <a:endParaRPr lang="en-AU" b="0" dirty="0">
+              <a:solidFill>
+                <a:srgbClr val="4E5B61"/>
+              </a:solidFill>
+              <a:effectLst/>
+              <a:latin typeface="Consolas" panose="020B0609020204030204" pitchFamily="49" charset="0"/>
+            </a:endParaRPr>
+          </a:p>
+          <a:p>
+            <a:r>
+              <a:rPr lang="en-AU" b="0" dirty="0">
+                <a:solidFill>
+                  <a:srgbClr val="4E5B61"/>
+                </a:solidFill>
+                <a:effectLst/>
+                <a:latin typeface="Consolas" panose="020B0609020204030204" pitchFamily="49" charset="0"/>
+              </a:rPr>
+              <a:t>  </a:t>
+            </a:r>
+            <a:r>
+              <a:rPr lang="en-AU" b="0" dirty="0">
+                <a:solidFill>
+                  <a:srgbClr val="434F54"/>
+                </a:solidFill>
+                <a:effectLst/>
+                <a:latin typeface="Consolas" panose="020B0609020204030204" pitchFamily="49" charset="0"/>
+              </a:rPr>
+              <a:t>}</a:t>
+            </a:r>
+            <a:endParaRPr lang="en-AU" b="0" dirty="0">
+              <a:solidFill>
+                <a:srgbClr val="4E5B61"/>
+              </a:solidFill>
+              <a:effectLst/>
+              <a:latin typeface="Consolas" panose="020B0609020204030204" pitchFamily="49" charset="0"/>
+            </a:endParaRPr>
+          </a:p>
+          <a:p>
+            <a:r>
+              <a:rPr lang="en-AU" b="0" dirty="0">
+                <a:solidFill>
+                  <a:srgbClr val="434F54"/>
+                </a:solidFill>
+                <a:effectLst/>
+                <a:latin typeface="Consolas" panose="020B0609020204030204" pitchFamily="49" charset="0"/>
+              </a:rPr>
+              <a:t>}</a:t>
+            </a:r>
+            <a:endParaRPr lang="en-AU" b="0" dirty="0">
+              <a:solidFill>
+                <a:srgbClr val="4E5B61"/>
+              </a:solidFill>
+              <a:effectLst/>
+              <a:latin typeface="Consolas" panose="020B0609020204030204" pitchFamily="49" charset="0"/>
+            </a:endParaRPr>
+          </a:p>
+          <a:p>
+            <a:pPr marL="0" indent="0">
+              <a:buNone/>
+            </a:pPr>
+            <a:endParaRPr lang="en-AU" dirty="0"/>
+          </a:p>
+        </p:txBody>
+      </p:sp>
+    </p:spTree>
+    <p:extLst>
+      <p:ext uri="{BB962C8B-B14F-4D97-AF65-F5344CB8AC3E}">
+        <p14:creationId xmlns:p14="http://schemas.microsoft.com/office/powerpoint/2010/main" val="1395565298"/>
+      </p:ext>
+    </p:extLst>
+  </p:cSld>
+  <p:clrMapOvr>
+    <a:masterClrMapping/>
+  </p:clrMapOvr>
+</p:sld>
+</file>
+
+<file path=ppt/slides/slide6.xml><?xml version="1.0" encoding="utf-8"?>
+<p:sld xmlns:a="http://schemas.openxmlformats.org/drawingml/2006/main" xmlns:r="http://schemas.openxmlformats.org/officeDocument/2006/relationships" xmlns:p="http://schemas.openxmlformats.org/presentationml/2006/main">
+  <p:cSld>
+    <p:spTree>
+      <p:nvGrpSpPr>
+        <p:cNvPr id="1" name=""/>
+        <p:cNvGrpSpPr/>
+        <p:nvPr/>
+      </p:nvGrpSpPr>
+      <p:grpSpPr>
+        <a:xfrm>
+          <a:off x="0" y="0"/>
+          <a:ext cx="0" cy="0"/>
+          <a:chOff x="0" y="0"/>
+          <a:chExt cx="0" cy="0"/>
+        </a:xfrm>
+      </p:grpSpPr>
+      <p:sp>
+        <p:nvSpPr>
+          <p:cNvPr id="2" name="Title 1">
+            <a:extLst>
+              <a:ext uri="{FF2B5EF4-FFF2-40B4-BE49-F238E27FC236}">
+                <a16:creationId xmlns:a16="http://schemas.microsoft.com/office/drawing/2014/main" id="{459E61BB-7C61-3415-22C2-8891A858E19D}"/>
+              </a:ext>
+            </a:extLst>
+          </p:cNvPr>
+          <p:cNvSpPr>
+            <a:spLocks noGrp="1"/>
+          </p:cNvSpPr>
+          <p:nvPr>
+            <p:ph type="title"/>
+          </p:nvPr>
+        </p:nvSpPr>
+        <p:spPr/>
+        <p:txBody>
+          <a:bodyPr/>
+          <a:lstStyle/>
+          <a:p>
+            <a:r>
+              <a:rPr lang="en-US" dirty="0"/>
+              <a:t>Receiving Notifications on Phone	</a:t>
+            </a:r>
+            <a:endParaRPr lang="en-AU" dirty="0"/>
+          </a:p>
+        </p:txBody>
+      </p:sp>
+      <p:sp>
+        <p:nvSpPr>
+          <p:cNvPr id="3" name="Content Placeholder 2">
+            <a:extLst>
+              <a:ext uri="{FF2B5EF4-FFF2-40B4-BE49-F238E27FC236}">
+                <a16:creationId xmlns:a16="http://schemas.microsoft.com/office/drawing/2014/main" id="{5063A942-8CA3-A88C-5645-70FF9D54F0B1}"/>
+              </a:ext>
+            </a:extLst>
+          </p:cNvPr>
+          <p:cNvSpPr>
+            <a:spLocks noGrp="1"/>
+          </p:cNvSpPr>
+          <p:nvPr>
+            <p:ph idx="1"/>
+          </p:nvPr>
+        </p:nvSpPr>
+        <p:spPr/>
+        <p:txBody>
+          <a:bodyPr/>
+          <a:lstStyle/>
+          <a:p>
+            <a:r>
+              <a:rPr lang="en-US" dirty="0"/>
+              <a:t>What is AWS IoT Core?</a:t>
+            </a:r>
+            <a:endParaRPr lang="en-AU" dirty="0"/>
+          </a:p>
+        </p:txBody>
+      </p:sp>
+    </p:spTree>
+    <p:extLst>
+      <p:ext uri="{BB962C8B-B14F-4D97-AF65-F5344CB8AC3E}">
+        <p14:creationId xmlns:p14="http://schemas.microsoft.com/office/powerpoint/2010/main" val="141914085"/>
+      </p:ext>
+    </p:extLst>
+  </p:cSld>
+  <p:clrMapOvr>
+    <a:masterClrMapping/>
+  </p:clrMapOvr>
+</p:sld>
+</file>
+
+<file path=ppt/slides/slide7.xml><?xml version="1.0" encoding="utf-8"?>
+<p:sld xmlns:a="http://schemas.openxmlformats.org/drawingml/2006/main" xmlns:r="http://schemas.openxmlformats.org/officeDocument/2006/relationships" xmlns:p="http://schemas.openxmlformats.org/presentationml/2006/main">
+  <p:cSld>
+    <p:spTree>
+      <p:nvGrpSpPr>
+        <p:cNvPr id="1" name=""/>
+        <p:cNvGrpSpPr/>
+        <p:nvPr/>
+      </p:nvGrpSpPr>
+      <p:grpSpPr>
+        <a:xfrm>
+          <a:off x="0" y="0"/>
+          <a:ext cx="0" cy="0"/>
+          <a:chOff x="0" y="0"/>
+          <a:chExt cx="0" cy="0"/>
+        </a:xfrm>
+      </p:grpSpPr>
+      <p:sp>
+        <p:nvSpPr>
+          <p:cNvPr id="2" name="Title 1">
+            <a:extLst>
+              <a:ext uri="{FF2B5EF4-FFF2-40B4-BE49-F238E27FC236}">
+                <a16:creationId xmlns:a16="http://schemas.microsoft.com/office/drawing/2014/main" id="{093CAFD4-9A12-249C-31EA-29AC133ED684}"/>
+              </a:ext>
+            </a:extLst>
+          </p:cNvPr>
+          <p:cNvSpPr>
+            <a:spLocks noGrp="1"/>
+          </p:cNvSpPr>
+          <p:nvPr>
+            <p:ph type="title"/>
+          </p:nvPr>
+        </p:nvSpPr>
+        <p:spPr/>
+        <p:txBody>
+          <a:bodyPr/>
+          <a:lstStyle/>
+          <a:p>
+            <a:endParaRPr lang="en-AU"/>
+          </a:p>
+        </p:txBody>
+      </p:sp>
+      <p:sp>
+        <p:nvSpPr>
+          <p:cNvPr id="3" name="Content Placeholder 2">
+            <a:extLst>
+              <a:ext uri="{FF2B5EF4-FFF2-40B4-BE49-F238E27FC236}">
+                <a16:creationId xmlns:a16="http://schemas.microsoft.com/office/drawing/2014/main" id="{3FDD982A-DC79-F93F-B915-7C032ACA18E1}"/>
+              </a:ext>
+            </a:extLst>
+          </p:cNvPr>
+          <p:cNvSpPr>
+            <a:spLocks noGrp="1"/>
+          </p:cNvSpPr>
+          <p:nvPr>
+            <p:ph idx="1"/>
+          </p:nvPr>
+        </p:nvSpPr>
+        <p:spPr/>
+        <p:txBody>
+          <a:bodyPr/>
+          <a:lstStyle/>
+          <a:p>
+            <a:endParaRPr lang="en-AU"/>
+          </a:p>
+        </p:txBody>
+      </p:sp>
+    </p:spTree>
+    <p:extLst>
+      <p:ext uri="{BB962C8B-B14F-4D97-AF65-F5344CB8AC3E}">
+        <p14:creationId xmlns:p14="http://schemas.microsoft.com/office/powerpoint/2010/main" val="2088526987"/>
       </p:ext>
     </p:extLst>
   </p:cSld>
